--- a/presentation1.pptx
+++ b/presentation1.pptx
@@ -2,13 +2,21 @@
 <file path=ppt/presentation.xml><?xml version="1.0" encoding="utf-8"?>
 <p:presentation xmlns:a="http://schemas.openxmlformats.org/drawingml/2006/main" xmlns:r="http://schemas.openxmlformats.org/officeDocument/2006/relationships" xmlns:p="http://schemas.openxmlformats.org/presentationml/2006/main" saveSubsetFonts="1">
   <p:sldMasterIdLst>
-    <p:sldMasterId id="2147483648" r:id="rId1"/>
+    <p:sldMasterId id="2147483748" r:id="rId1"/>
   </p:sldMasterIdLst>
+  <p:notesMasterIdLst>
+    <p:notesMasterId r:id="rId9"/>
+  </p:notesMasterIdLst>
   <p:sldIdLst>
     <p:sldId id="256" r:id="rId2"/>
     <p:sldId id="257" r:id="rId3"/>
+    <p:sldId id="258" r:id="rId4"/>
+    <p:sldId id="259" r:id="rId5"/>
+    <p:sldId id="260" r:id="rId6"/>
+    <p:sldId id="261" r:id="rId7"/>
+    <p:sldId id="262" r:id="rId8"/>
   </p:sldIdLst>
-  <p:sldSz cx="12192000" cy="6858000"/>
+  <p:sldSz cx="9144000" cy="6858000" type="screen4x3"/>
   <p:notesSz cx="6858000" cy="9144000"/>
   <p:defaultTextStyle>
     <a:defPPr>
@@ -108,8 +116,447 @@
 </p:presentation>
 </file>
 
+<file path=ppt/notesMasters/notesMaster1.xml><?xml version="1.0" encoding="utf-8"?>
+<p:notesMaster xmlns:a="http://schemas.openxmlformats.org/drawingml/2006/main" xmlns:r="http://schemas.openxmlformats.org/officeDocument/2006/relationships" xmlns:p="http://schemas.openxmlformats.org/presentationml/2006/main">
+  <p:cSld>
+    <p:bg>
+      <p:bgRef idx="1001">
+        <a:schemeClr val="bg1"/>
+      </p:bgRef>
+    </p:bg>
+    <p:spTree>
+      <p:nvGrpSpPr>
+        <p:cNvPr id="1" name=""/>
+        <p:cNvGrpSpPr/>
+        <p:nvPr/>
+      </p:nvGrpSpPr>
+      <p:grpSpPr>
+        <a:xfrm>
+          <a:off x="0" y="0"/>
+          <a:ext cx="0" cy="0"/>
+          <a:chOff x="0" y="0"/>
+          <a:chExt cx="0" cy="0"/>
+        </a:xfrm>
+      </p:grpSpPr>
+      <p:sp>
+        <p:nvSpPr>
+          <p:cNvPr id="2" name="Header Placeholder 1"/>
+          <p:cNvSpPr>
+            <a:spLocks noGrp="1"/>
+          </p:cNvSpPr>
+          <p:nvPr>
+            <p:ph type="hdr" sz="quarter"/>
+          </p:nvPr>
+        </p:nvSpPr>
+        <p:spPr>
+          <a:xfrm>
+            <a:off x="0" y="0"/>
+            <a:ext cx="2971800" cy="458788"/>
+          </a:xfrm>
+          <a:prstGeom prst="rect">
+            <a:avLst/>
+          </a:prstGeom>
+        </p:spPr>
+        <p:txBody>
+          <a:bodyPr vert="horz" lIns="91440" tIns="45720" rIns="91440" bIns="45720" rtlCol="0"/>
+          <a:lstStyle>
+            <a:lvl1pPr algn="l">
+              <a:defRPr sz="1200"/>
+            </a:lvl1pPr>
+          </a:lstStyle>
+          <a:p>
+            <a:endParaRPr lang="en-US"/>
+          </a:p>
+        </p:txBody>
+      </p:sp>
+      <p:sp>
+        <p:nvSpPr>
+          <p:cNvPr id="3" name="Date Placeholder 2"/>
+          <p:cNvSpPr>
+            <a:spLocks noGrp="1"/>
+          </p:cNvSpPr>
+          <p:nvPr>
+            <p:ph type="dt" idx="1"/>
+          </p:nvPr>
+        </p:nvSpPr>
+        <p:spPr>
+          <a:xfrm>
+            <a:off x="3884613" y="0"/>
+            <a:ext cx="2971800" cy="458788"/>
+          </a:xfrm>
+          <a:prstGeom prst="rect">
+            <a:avLst/>
+          </a:prstGeom>
+        </p:spPr>
+        <p:txBody>
+          <a:bodyPr vert="horz" lIns="91440" tIns="45720" rIns="91440" bIns="45720" rtlCol="0"/>
+          <a:lstStyle>
+            <a:lvl1pPr algn="r">
+              <a:defRPr sz="1200"/>
+            </a:lvl1pPr>
+          </a:lstStyle>
+          <a:p>
+            <a:fld id="{C44909AD-5C5A-4E94-874B-5F1ADDD8D84E}" type="datetimeFigureOut">
+              <a:rPr lang="en-US" smtClean="0"/>
+              <a:t>4/15/2013</a:t>
+            </a:fld>
+            <a:endParaRPr lang="en-US"/>
+          </a:p>
+        </p:txBody>
+      </p:sp>
+      <p:sp>
+        <p:nvSpPr>
+          <p:cNvPr id="4" name="Slide Image Placeholder 3"/>
+          <p:cNvSpPr>
+            <a:spLocks noGrp="1" noRot="1" noChangeAspect="1"/>
+          </p:cNvSpPr>
+          <p:nvPr>
+            <p:ph type="sldImg" idx="2"/>
+          </p:nvPr>
+        </p:nvSpPr>
+        <p:spPr>
+          <a:xfrm>
+            <a:off x="1371600" y="1143000"/>
+            <a:ext cx="4114800" cy="3086100"/>
+          </a:xfrm>
+          <a:prstGeom prst="rect">
+            <a:avLst/>
+          </a:prstGeom>
+          <a:noFill/>
+          <a:ln w="12700">
+            <a:solidFill>
+              <a:prstClr val="black"/>
+            </a:solidFill>
+          </a:ln>
+        </p:spPr>
+        <p:txBody>
+          <a:bodyPr vert="horz" lIns="91440" tIns="45720" rIns="91440" bIns="45720" rtlCol="0" anchor="ctr"/>
+          <a:lstStyle/>
+          <a:p>
+            <a:endParaRPr lang="en-US"/>
+          </a:p>
+        </p:txBody>
+      </p:sp>
+      <p:sp>
+        <p:nvSpPr>
+          <p:cNvPr id="5" name="Notes Placeholder 4"/>
+          <p:cNvSpPr>
+            <a:spLocks noGrp="1"/>
+          </p:cNvSpPr>
+          <p:nvPr>
+            <p:ph type="body" sz="quarter" idx="3"/>
+          </p:nvPr>
+        </p:nvSpPr>
+        <p:spPr>
+          <a:xfrm>
+            <a:off x="685800" y="4400550"/>
+            <a:ext cx="5486400" cy="3600450"/>
+          </a:xfrm>
+          <a:prstGeom prst="rect">
+            <a:avLst/>
+          </a:prstGeom>
+        </p:spPr>
+        <p:txBody>
+          <a:bodyPr vert="horz" lIns="91440" tIns="45720" rIns="91440" bIns="45720" rtlCol="0"/>
+          <a:lstStyle/>
+          <a:p>
+            <a:pPr lvl="0"/>
+            <a:r>
+              <a:rPr lang="en-US" smtClean="0"/>
+              <a:t>Click to edit Master text styles</a:t>
+            </a:r>
+          </a:p>
+          <a:p>
+            <a:pPr lvl="1"/>
+            <a:r>
+              <a:rPr lang="en-US" smtClean="0"/>
+              <a:t>Second level</a:t>
+            </a:r>
+          </a:p>
+          <a:p>
+            <a:pPr lvl="2"/>
+            <a:r>
+              <a:rPr lang="en-US" smtClean="0"/>
+              <a:t>Third level</a:t>
+            </a:r>
+          </a:p>
+          <a:p>
+            <a:pPr lvl="3"/>
+            <a:r>
+              <a:rPr lang="en-US" smtClean="0"/>
+              <a:t>Fourth level</a:t>
+            </a:r>
+          </a:p>
+          <a:p>
+            <a:pPr lvl="4"/>
+            <a:r>
+              <a:rPr lang="en-US" smtClean="0"/>
+              <a:t>Fifth level</a:t>
+            </a:r>
+            <a:endParaRPr lang="en-US"/>
+          </a:p>
+        </p:txBody>
+      </p:sp>
+      <p:sp>
+        <p:nvSpPr>
+          <p:cNvPr id="6" name="Footer Placeholder 5"/>
+          <p:cNvSpPr>
+            <a:spLocks noGrp="1"/>
+          </p:cNvSpPr>
+          <p:nvPr>
+            <p:ph type="ftr" sz="quarter" idx="4"/>
+          </p:nvPr>
+        </p:nvSpPr>
+        <p:spPr>
+          <a:xfrm>
+            <a:off x="0" y="8685213"/>
+            <a:ext cx="2971800" cy="458787"/>
+          </a:xfrm>
+          <a:prstGeom prst="rect">
+            <a:avLst/>
+          </a:prstGeom>
+        </p:spPr>
+        <p:txBody>
+          <a:bodyPr vert="horz" lIns="91440" tIns="45720" rIns="91440" bIns="45720" rtlCol="0" anchor="b"/>
+          <a:lstStyle>
+            <a:lvl1pPr algn="l">
+              <a:defRPr sz="1200"/>
+            </a:lvl1pPr>
+          </a:lstStyle>
+          <a:p>
+            <a:endParaRPr lang="en-US"/>
+          </a:p>
+        </p:txBody>
+      </p:sp>
+      <p:sp>
+        <p:nvSpPr>
+          <p:cNvPr id="7" name="Slide Number Placeholder 6"/>
+          <p:cNvSpPr>
+            <a:spLocks noGrp="1"/>
+          </p:cNvSpPr>
+          <p:nvPr>
+            <p:ph type="sldNum" sz="quarter" idx="5"/>
+          </p:nvPr>
+        </p:nvSpPr>
+        <p:spPr>
+          <a:xfrm>
+            <a:off x="3884613" y="8685213"/>
+            <a:ext cx="2971800" cy="458787"/>
+          </a:xfrm>
+          <a:prstGeom prst="rect">
+            <a:avLst/>
+          </a:prstGeom>
+        </p:spPr>
+        <p:txBody>
+          <a:bodyPr vert="horz" lIns="91440" tIns="45720" rIns="91440" bIns="45720" rtlCol="0" anchor="b"/>
+          <a:lstStyle>
+            <a:lvl1pPr algn="r">
+              <a:defRPr sz="1200"/>
+            </a:lvl1pPr>
+          </a:lstStyle>
+          <a:p>
+            <a:fld id="{6B98D292-7F42-48DB-97E0-878930E9458B}" type="slidenum">
+              <a:rPr lang="en-US" smtClean="0"/>
+              <a:t>‹#›</a:t>
+            </a:fld>
+            <a:endParaRPr lang="en-US"/>
+          </a:p>
+        </p:txBody>
+      </p:sp>
+    </p:spTree>
+    <p:extLst>
+      <p:ext uri="{BB962C8B-B14F-4D97-AF65-F5344CB8AC3E}">
+        <p14:creationId xmlns:p14="http://schemas.microsoft.com/office/powerpoint/2010/main" val="2863649688"/>
+      </p:ext>
+    </p:extLst>
+  </p:cSld>
+  <p:clrMap bg1="lt1" tx1="dk1" bg2="lt2" tx2="dk2" accent1="accent1" accent2="accent2" accent3="accent3" accent4="accent4" accent5="accent5" accent6="accent6" hlink="hlink" folHlink="folHlink"/>
+  <p:notesStyle>
+    <a:lvl1pPr marL="0" algn="l" defTabSz="914400" rtl="0" eaLnBrk="1" latinLnBrk="0" hangingPunct="1">
+      <a:defRPr sz="1200" kern="1200">
+        <a:solidFill>
+          <a:schemeClr val="tx1"/>
+        </a:solidFill>
+        <a:latin typeface="+mn-lt"/>
+        <a:ea typeface="+mn-ea"/>
+        <a:cs typeface="+mn-cs"/>
+      </a:defRPr>
+    </a:lvl1pPr>
+    <a:lvl2pPr marL="457200" algn="l" defTabSz="914400" rtl="0" eaLnBrk="1" latinLnBrk="0" hangingPunct="1">
+      <a:defRPr sz="1200" kern="1200">
+        <a:solidFill>
+          <a:schemeClr val="tx1"/>
+        </a:solidFill>
+        <a:latin typeface="+mn-lt"/>
+        <a:ea typeface="+mn-ea"/>
+        <a:cs typeface="+mn-cs"/>
+      </a:defRPr>
+    </a:lvl2pPr>
+    <a:lvl3pPr marL="914400" algn="l" defTabSz="914400" rtl="0" eaLnBrk="1" latinLnBrk="0" hangingPunct="1">
+      <a:defRPr sz="1200" kern="1200">
+        <a:solidFill>
+          <a:schemeClr val="tx1"/>
+        </a:solidFill>
+        <a:latin typeface="+mn-lt"/>
+        <a:ea typeface="+mn-ea"/>
+        <a:cs typeface="+mn-cs"/>
+      </a:defRPr>
+    </a:lvl3pPr>
+    <a:lvl4pPr marL="1371600" algn="l" defTabSz="914400" rtl="0" eaLnBrk="1" latinLnBrk="0" hangingPunct="1">
+      <a:defRPr sz="1200" kern="1200">
+        <a:solidFill>
+          <a:schemeClr val="tx1"/>
+        </a:solidFill>
+        <a:latin typeface="+mn-lt"/>
+        <a:ea typeface="+mn-ea"/>
+        <a:cs typeface="+mn-cs"/>
+      </a:defRPr>
+    </a:lvl4pPr>
+    <a:lvl5pPr marL="1828800" algn="l" defTabSz="914400" rtl="0" eaLnBrk="1" latinLnBrk="0" hangingPunct="1">
+      <a:defRPr sz="1200" kern="1200">
+        <a:solidFill>
+          <a:schemeClr val="tx1"/>
+        </a:solidFill>
+        <a:latin typeface="+mn-lt"/>
+        <a:ea typeface="+mn-ea"/>
+        <a:cs typeface="+mn-cs"/>
+      </a:defRPr>
+    </a:lvl5pPr>
+    <a:lvl6pPr marL="2286000" algn="l" defTabSz="914400" rtl="0" eaLnBrk="1" latinLnBrk="0" hangingPunct="1">
+      <a:defRPr sz="1200" kern="1200">
+        <a:solidFill>
+          <a:schemeClr val="tx1"/>
+        </a:solidFill>
+        <a:latin typeface="+mn-lt"/>
+        <a:ea typeface="+mn-ea"/>
+        <a:cs typeface="+mn-cs"/>
+      </a:defRPr>
+    </a:lvl6pPr>
+    <a:lvl7pPr marL="2743200" algn="l" defTabSz="914400" rtl="0" eaLnBrk="1" latinLnBrk="0" hangingPunct="1">
+      <a:defRPr sz="1200" kern="1200">
+        <a:solidFill>
+          <a:schemeClr val="tx1"/>
+        </a:solidFill>
+        <a:latin typeface="+mn-lt"/>
+        <a:ea typeface="+mn-ea"/>
+        <a:cs typeface="+mn-cs"/>
+      </a:defRPr>
+    </a:lvl7pPr>
+    <a:lvl8pPr marL="3200400" algn="l" defTabSz="914400" rtl="0" eaLnBrk="1" latinLnBrk="0" hangingPunct="1">
+      <a:defRPr sz="1200" kern="1200">
+        <a:solidFill>
+          <a:schemeClr val="tx1"/>
+        </a:solidFill>
+        <a:latin typeface="+mn-lt"/>
+        <a:ea typeface="+mn-ea"/>
+        <a:cs typeface="+mn-cs"/>
+      </a:defRPr>
+    </a:lvl8pPr>
+    <a:lvl9pPr marL="3657600" algn="l" defTabSz="914400" rtl="0" eaLnBrk="1" latinLnBrk="0" hangingPunct="1">
+      <a:defRPr sz="1200" kern="1200">
+        <a:solidFill>
+          <a:schemeClr val="tx1"/>
+        </a:solidFill>
+        <a:latin typeface="+mn-lt"/>
+        <a:ea typeface="+mn-ea"/>
+        <a:cs typeface="+mn-cs"/>
+      </a:defRPr>
+    </a:lvl9pPr>
+  </p:notesStyle>
+</p:notesMaster>
+</file>
+
+<file path=ppt/notesSlides/notesSlide1.xml><?xml version="1.0" encoding="utf-8"?>
+<p:notes xmlns:a="http://schemas.openxmlformats.org/drawingml/2006/main" xmlns:r="http://schemas.openxmlformats.org/officeDocument/2006/relationships" xmlns:p="http://schemas.openxmlformats.org/presentationml/2006/main">
+  <p:cSld>
+    <p:spTree>
+      <p:nvGrpSpPr>
+        <p:cNvPr id="1" name=""/>
+        <p:cNvGrpSpPr/>
+        <p:nvPr/>
+      </p:nvGrpSpPr>
+      <p:grpSpPr>
+        <a:xfrm>
+          <a:off x="0" y="0"/>
+          <a:ext cx="0" cy="0"/>
+          <a:chOff x="0" y="0"/>
+          <a:chExt cx="0" cy="0"/>
+        </a:xfrm>
+      </p:grpSpPr>
+      <p:sp>
+        <p:nvSpPr>
+          <p:cNvPr id="2" name="Slide Image Placeholder 1"/>
+          <p:cNvSpPr>
+            <a:spLocks noGrp="1" noRot="1" noChangeAspect="1"/>
+          </p:cNvSpPr>
+          <p:nvPr>
+            <p:ph type="sldImg"/>
+          </p:nvPr>
+        </p:nvSpPr>
+        <p:spPr>
+          <a:xfrm>
+            <a:off x="1371600" y="1143000"/>
+            <a:ext cx="4114800" cy="3086100"/>
+          </a:xfrm>
+        </p:spPr>
+      </p:sp>
+      <p:sp>
+        <p:nvSpPr>
+          <p:cNvPr id="3" name="Notes Placeholder 2"/>
+          <p:cNvSpPr>
+            <a:spLocks noGrp="1"/>
+          </p:cNvSpPr>
+          <p:nvPr>
+            <p:ph type="body" idx="1"/>
+          </p:nvPr>
+        </p:nvSpPr>
+        <p:spPr/>
+        <p:txBody>
+          <a:bodyPr/>
+          <a:lstStyle/>
+          <a:p>
+            <a:endParaRPr lang="en-US"/>
+          </a:p>
+        </p:txBody>
+      </p:sp>
+      <p:sp>
+        <p:nvSpPr>
+          <p:cNvPr id="4" name="Slide Number Placeholder 3"/>
+          <p:cNvSpPr>
+            <a:spLocks noGrp="1"/>
+          </p:cNvSpPr>
+          <p:nvPr>
+            <p:ph type="sldNum" sz="quarter" idx="10"/>
+          </p:nvPr>
+        </p:nvSpPr>
+        <p:spPr/>
+        <p:txBody>
+          <a:bodyPr/>
+          <a:lstStyle/>
+          <a:p>
+            <a:fld id="{6B98D292-7F42-48DB-97E0-878930E9458B}" type="slidenum">
+              <a:rPr lang="en-US" smtClean="0"/>
+              <a:t>2</a:t>
+            </a:fld>
+            <a:endParaRPr lang="en-US"/>
+          </a:p>
+        </p:txBody>
+      </p:sp>
+    </p:spTree>
+    <p:extLst>
+      <p:ext uri="{BB962C8B-B14F-4D97-AF65-F5344CB8AC3E}">
+        <p14:creationId xmlns:p14="http://schemas.microsoft.com/office/powerpoint/2010/main" val="606430527"/>
+      </p:ext>
+    </p:extLst>
+  </p:cSld>
+  <p:clrMapOvr>
+    <a:masterClrMapping/>
+  </p:clrMapOvr>
+</p:notes>
+</file>
+
 <file path=ppt/slideLayouts/slideLayout1.xml><?xml version="1.0" encoding="utf-8"?>
-<p:sldLayout xmlns:a="http://schemas.openxmlformats.org/drawingml/2006/main" xmlns:r="http://schemas.openxmlformats.org/officeDocument/2006/relationships" xmlns:p="http://schemas.openxmlformats.org/presentationml/2006/main" type="title" preserve="1">
+<p:sldLayout xmlns:a="http://schemas.openxmlformats.org/drawingml/2006/main" xmlns:r="http://schemas.openxmlformats.org/officeDocument/2006/relationships" xmlns:p="http://schemas.openxmlformats.org/presentationml/2006/main" showMasterSp="0" type="title" preserve="1">
   <p:cSld name="Title Slide">
     <p:spTree>
       <p:nvGrpSpPr>
@@ -127,25 +574,77 @@
       </p:grpSpPr>
       <p:sp>
         <p:nvSpPr>
-          <p:cNvPr id="2" name="Title 1"/>
-          <p:cNvSpPr>
-            <a:spLocks noGrp="1"/>
-          </p:cNvSpPr>
-          <p:nvPr>
-            <p:ph type="ctrTitle"/>
-          </p:nvPr>
+          <p:cNvPr id="7" name="Rectangle 6"/>
+          <p:cNvSpPr/>
+          <p:nvPr/>
         </p:nvSpPr>
         <p:spPr>
           <a:xfrm>
-            <a:off x="1524000" y="1122363"/>
-            <a:ext cx="9144000" cy="2387600"/>
+            <a:off x="2382" y="6400800"/>
+            <a:ext cx="9141619" cy="457200"/>
+          </a:xfrm>
+          <a:prstGeom prst="rect">
+            <a:avLst/>
+          </a:prstGeom>
+          <a:solidFill>
+            <a:schemeClr val="accent4">
+              <a:lumMod val="75000"/>
+            </a:schemeClr>
+          </a:solidFill>
+          <a:ln>
+            <a:noFill/>
+          </a:ln>
+        </p:spPr>
+        <p:style>
+          <a:lnRef idx="2">
+            <a:schemeClr val="accent1">
+              <a:shade val="50000"/>
+            </a:schemeClr>
+          </a:lnRef>
+          <a:fillRef idx="1">
+            <a:schemeClr val="accent1"/>
+          </a:fillRef>
+          <a:effectRef idx="0">
+            <a:schemeClr val="accent1"/>
+          </a:effectRef>
+          <a:fontRef idx="minor">
+            <a:schemeClr val="lt1"/>
+          </a:fontRef>
+        </p:style>
+      </p:sp>
+      <p:sp>
+        <p:nvSpPr>
+          <p:cNvPr id="2" name="Title 1"/>
+          <p:cNvSpPr>
+            <a:spLocks noGrp="1"/>
+          </p:cNvSpPr>
+          <p:nvPr>
+            <p:ph type="ctrTitle"/>
+          </p:nvPr>
+        </p:nvSpPr>
+        <p:spPr>
+          <a:xfrm>
+            <a:off x="822960" y="758952"/>
+            <a:ext cx="7543800" cy="3566160"/>
           </a:xfrm>
         </p:spPr>
         <p:txBody>
-          <a:bodyPr anchor="b"/>
+          <a:bodyPr anchor="b">
+            <a:normAutofit/>
+          </a:bodyPr>
           <a:lstStyle>
-            <a:lvl1pPr algn="ctr">
-              <a:defRPr sz="6000"/>
+            <a:lvl1pPr algn="l">
+              <a:lnSpc>
+                <a:spcPct val="85000"/>
+              </a:lnSpc>
+              <a:defRPr sz="8000" spc="-50" baseline="0">
+                <a:solidFill>
+                  <a:schemeClr val="tx1">
+                    <a:lumMod val="85000"/>
+                    <a:lumOff val="15000"/>
+                  </a:schemeClr>
+                </a:solidFill>
+              </a:defRPr>
             </a:lvl1pPr>
           </a:lstStyle>
           <a:p>
@@ -153,7 +652,7 @@
               <a:rPr lang="en-US" smtClean="0"/>
               <a:t>Click to edit Master title style</a:t>
             </a:r>
-            <a:endParaRPr lang="en-US"/>
+            <a:endParaRPr lang="en-US" dirty="0"/>
           </a:p>
         </p:txBody>
       </p:sp>
@@ -169,48 +668,55 @@
         </p:nvSpPr>
         <p:spPr>
           <a:xfrm>
-            <a:off x="1524000" y="3602038"/>
-            <a:ext cx="9144000" cy="1655762"/>
+            <a:off x="825038" y="4455621"/>
+            <a:ext cx="7543800" cy="1143000"/>
           </a:xfrm>
         </p:spPr>
         <p:txBody>
-          <a:bodyPr/>
+          <a:bodyPr lIns="91440" rIns="91440">
+            <a:normAutofit/>
+          </a:bodyPr>
           <a:lstStyle>
-            <a:lvl1pPr marL="0" indent="0" algn="ctr">
-              <a:buNone/>
-              <a:defRPr sz="2400"/>
+            <a:lvl1pPr marL="0" indent="0" algn="l">
+              <a:buNone/>
+              <a:defRPr sz="2400" cap="all" spc="200" baseline="0">
+                <a:solidFill>
+                  <a:schemeClr val="tx2"/>
+                </a:solidFill>
+                <a:latin typeface="+mj-lt"/>
+              </a:defRPr>
             </a:lvl1pPr>
             <a:lvl2pPr marL="457200" indent="0" algn="ctr">
               <a:buNone/>
-              <a:defRPr sz="2000"/>
+              <a:defRPr sz="2400"/>
             </a:lvl2pPr>
             <a:lvl3pPr marL="914400" indent="0" algn="ctr">
               <a:buNone/>
-              <a:defRPr sz="1800"/>
+              <a:defRPr sz="2400"/>
             </a:lvl3pPr>
             <a:lvl4pPr marL="1371600" indent="0" algn="ctr">
               <a:buNone/>
-              <a:defRPr sz="1600"/>
+              <a:defRPr sz="2000"/>
             </a:lvl4pPr>
             <a:lvl5pPr marL="1828800" indent="0" algn="ctr">
               <a:buNone/>
-              <a:defRPr sz="1600"/>
+              <a:defRPr sz="2000"/>
             </a:lvl5pPr>
             <a:lvl6pPr marL="2286000" indent="0" algn="ctr">
               <a:buNone/>
-              <a:defRPr sz="1600"/>
+              <a:defRPr sz="2000"/>
             </a:lvl6pPr>
             <a:lvl7pPr marL="2743200" indent="0" algn="ctr">
               <a:buNone/>
-              <a:defRPr sz="1600"/>
+              <a:defRPr sz="2000"/>
             </a:lvl7pPr>
             <a:lvl8pPr marL="3200400" indent="0" algn="ctr">
               <a:buNone/>
-              <a:defRPr sz="1600"/>
+              <a:defRPr sz="2000"/>
             </a:lvl8pPr>
             <a:lvl9pPr marL="3657600" indent="0" algn="ctr">
               <a:buNone/>
-              <a:defRPr sz="1600"/>
+              <a:defRPr sz="2000"/>
             </a:lvl9pPr>
           </a:lstStyle>
           <a:p>
@@ -218,7 +724,7 @@
               <a:rPr lang="en-US" smtClean="0"/>
               <a:t>Click to edit Master subtitle style</a:t>
             </a:r>
-            <a:endParaRPr lang="en-US"/>
+            <a:endParaRPr lang="en-US" dirty="0"/>
           </a:p>
         </p:txBody>
       </p:sp>
@@ -287,10 +793,86 @@
           </a:p>
         </p:txBody>
       </p:sp>
+      <p:cxnSp>
+        <p:nvCxnSpPr>
+          <p:cNvPr id="9" name="Straight Connector 8"/>
+          <p:cNvCxnSpPr/>
+          <p:nvPr/>
+        </p:nvCxnSpPr>
+        <p:spPr>
+          <a:xfrm>
+            <a:off x="905744" y="4343400"/>
+            <a:ext cx="7406640" cy="0"/>
+          </a:xfrm>
+          <a:prstGeom prst="line">
+            <a:avLst/>
+          </a:prstGeom>
+          <a:ln w="6350">
+            <a:solidFill>
+              <a:schemeClr val="tx1">
+                <a:lumMod val="50000"/>
+                <a:lumOff val="50000"/>
+              </a:schemeClr>
+            </a:solidFill>
+          </a:ln>
+        </p:spPr>
+        <p:style>
+          <a:lnRef idx="1">
+            <a:schemeClr val="accent1"/>
+          </a:lnRef>
+          <a:fillRef idx="0">
+            <a:schemeClr val="accent1"/>
+          </a:fillRef>
+          <a:effectRef idx="0">
+            <a:schemeClr val="accent1"/>
+          </a:effectRef>
+          <a:fontRef idx="minor">
+            <a:schemeClr val="tx1"/>
+          </a:fontRef>
+        </p:style>
+      </p:cxnSp>
+      <p:sp>
+        <p:nvSpPr>
+          <p:cNvPr id="10" name="Rectangle 9"/>
+          <p:cNvSpPr/>
+          <p:nvPr/>
+        </p:nvSpPr>
+        <p:spPr>
+          <a:xfrm>
+            <a:off x="0" y="6334315"/>
+            <a:ext cx="9144001" cy="65999"/>
+          </a:xfrm>
+          <a:prstGeom prst="rect">
+            <a:avLst/>
+          </a:prstGeom>
+          <a:solidFill>
+            <a:schemeClr val="accent4"/>
+          </a:solidFill>
+          <a:ln>
+            <a:noFill/>
+          </a:ln>
+        </p:spPr>
+        <p:style>
+          <a:lnRef idx="2">
+            <a:schemeClr val="accent1">
+              <a:shade val="50000"/>
+            </a:schemeClr>
+          </a:lnRef>
+          <a:fillRef idx="1">
+            <a:schemeClr val="accent1"/>
+          </a:fillRef>
+          <a:effectRef idx="0">
+            <a:schemeClr val="accent1"/>
+          </a:effectRef>
+          <a:fontRef idx="minor">
+            <a:schemeClr val="lt1"/>
+          </a:fontRef>
+        </p:style>
+      </p:sp>
     </p:spTree>
     <p:extLst>
       <p:ext uri="{BB962C8B-B14F-4D97-AF65-F5344CB8AC3E}">
-        <p14:creationId xmlns:p14="http://schemas.microsoft.com/office/powerpoint/2010/main" val="1278003838"/>
+        <p14:creationId xmlns:p14="http://schemas.microsoft.com/office/powerpoint/2010/main" val="3482743283"/>
       </p:ext>
     </p:extLst>
   </p:cSld>
@@ -336,7 +918,7 @@
               <a:rPr lang="en-US" smtClean="0"/>
               <a:t>Click to edit Master title style</a:t>
             </a:r>
-            <a:endParaRPr lang="en-US"/>
+            <a:endParaRPr lang="en-US" dirty="0"/>
           </a:p>
         </p:txBody>
       </p:sp>
@@ -352,7 +934,7 @@
         </p:nvSpPr>
         <p:spPr/>
         <p:txBody>
-          <a:bodyPr vert="eaVert"/>
+          <a:bodyPr vert="eaVert" lIns="45720" tIns="0" rIns="45720" bIns="0"/>
           <a:lstStyle/>
           <a:p>
             <a:pPr lvl="0"/>
@@ -388,7 +970,7 @@
               <a:rPr lang="en-US" smtClean="0"/>
               <a:t>Fifth level</a:t>
             </a:r>
-            <a:endParaRPr lang="en-US"/>
+            <a:endParaRPr lang="en-US" dirty="0"/>
           </a:p>
         </p:txBody>
       </p:sp>
@@ -460,7 +1042,7 @@
     </p:spTree>
     <p:extLst>
       <p:ext uri="{BB962C8B-B14F-4D97-AF65-F5344CB8AC3E}">
-        <p14:creationId xmlns:p14="http://schemas.microsoft.com/office/powerpoint/2010/main" val="1179432849"/>
+        <p14:creationId xmlns:p14="http://schemas.microsoft.com/office/powerpoint/2010/main" val="3011938410"/>
       </p:ext>
     </p:extLst>
   </p:cSld>
@@ -471,7 +1053,7 @@
 </file>
 
 <file path=ppt/slideLayouts/slideLayout11.xml><?xml version="1.0" encoding="utf-8"?>
-<p:sldLayout xmlns:a="http://schemas.openxmlformats.org/drawingml/2006/main" xmlns:r="http://schemas.openxmlformats.org/officeDocument/2006/relationships" xmlns:p="http://schemas.openxmlformats.org/presentationml/2006/main" type="vertTitleAndTx" preserve="1">
+<p:sldLayout xmlns:a="http://schemas.openxmlformats.org/drawingml/2006/main" xmlns:r="http://schemas.openxmlformats.org/officeDocument/2006/relationships" xmlns:p="http://schemas.openxmlformats.org/presentationml/2006/main" showMasterSp="0" type="vertTitleAndTx" preserve="1">
   <p:cSld name="Vertical Title and Text">
     <p:spTree>
       <p:nvGrpSpPr>
@@ -489,18 +1071,96 @@
       </p:grpSpPr>
       <p:sp>
         <p:nvSpPr>
-          <p:cNvPr id="2" name="Vertical Title 1"/>
-          <p:cNvSpPr>
-            <a:spLocks noGrp="1"/>
-          </p:cNvSpPr>
-          <p:nvPr>
-            <p:ph type="title" orient="vert"/>
-          </p:nvPr>
+          <p:cNvPr id="7" name="Rectangle 6"/>
+          <p:cNvSpPr/>
+          <p:nvPr/>
         </p:nvSpPr>
         <p:spPr>
           <a:xfrm>
-            <a:off x="8724900" y="365125"/>
-            <a:ext cx="2628900" cy="5811838"/>
+            <a:off x="2382" y="6400800"/>
+            <a:ext cx="9141619" cy="457200"/>
+          </a:xfrm>
+          <a:prstGeom prst="rect">
+            <a:avLst/>
+          </a:prstGeom>
+          <a:solidFill>
+            <a:schemeClr val="accent4">
+              <a:lumMod val="75000"/>
+            </a:schemeClr>
+          </a:solidFill>
+          <a:ln>
+            <a:noFill/>
+          </a:ln>
+        </p:spPr>
+        <p:style>
+          <a:lnRef idx="2">
+            <a:schemeClr val="accent1">
+              <a:shade val="50000"/>
+            </a:schemeClr>
+          </a:lnRef>
+          <a:fillRef idx="1">
+            <a:schemeClr val="accent1"/>
+          </a:fillRef>
+          <a:effectRef idx="0">
+            <a:schemeClr val="accent1"/>
+          </a:effectRef>
+          <a:fontRef idx="minor">
+            <a:schemeClr val="lt1"/>
+          </a:fontRef>
+        </p:style>
+      </p:sp>
+      <p:sp>
+        <p:nvSpPr>
+          <p:cNvPr id="8" name="Rectangle 7"/>
+          <p:cNvSpPr/>
+          <p:nvPr/>
+        </p:nvSpPr>
+        <p:spPr>
+          <a:xfrm>
+            <a:off x="12" y="6334316"/>
+            <a:ext cx="9143989" cy="64008"/>
+          </a:xfrm>
+          <a:prstGeom prst="rect">
+            <a:avLst/>
+          </a:prstGeom>
+          <a:solidFill>
+            <a:schemeClr val="accent4"/>
+          </a:solidFill>
+          <a:ln>
+            <a:noFill/>
+          </a:ln>
+        </p:spPr>
+        <p:style>
+          <a:lnRef idx="2">
+            <a:schemeClr val="accent1">
+              <a:shade val="50000"/>
+            </a:schemeClr>
+          </a:lnRef>
+          <a:fillRef idx="1">
+            <a:schemeClr val="accent1"/>
+          </a:fillRef>
+          <a:effectRef idx="0">
+            <a:schemeClr val="accent1"/>
+          </a:effectRef>
+          <a:fontRef idx="minor">
+            <a:schemeClr val="lt1"/>
+          </a:fontRef>
+        </p:style>
+      </p:sp>
+      <p:sp>
+        <p:nvSpPr>
+          <p:cNvPr id="2" name="Vertical Title 1"/>
+          <p:cNvSpPr>
+            <a:spLocks noGrp="1"/>
+          </p:cNvSpPr>
+          <p:nvPr>
+            <p:ph type="title" orient="vert"/>
+          </p:nvPr>
+        </p:nvSpPr>
+        <p:spPr>
+          <a:xfrm>
+            <a:off x="6543675" y="412302"/>
+            <a:ext cx="1971675" cy="5759898"/>
           </a:xfrm>
         </p:spPr>
         <p:txBody>
@@ -511,7 +1171,7 @@
               <a:rPr lang="en-US" smtClean="0"/>
               <a:t>Click to edit Master title style</a:t>
             </a:r>
-            <a:endParaRPr lang="en-US"/>
+            <a:endParaRPr lang="en-US" dirty="0"/>
           </a:p>
         </p:txBody>
       </p:sp>
@@ -527,12 +1187,12 @@
         </p:nvSpPr>
         <p:spPr>
           <a:xfrm>
-            <a:off x="838200" y="365125"/>
-            <a:ext cx="7734300" cy="5811838"/>
+            <a:off x="628650" y="412302"/>
+            <a:ext cx="5800725" cy="5759898"/>
           </a:xfrm>
         </p:spPr>
         <p:txBody>
-          <a:bodyPr vert="eaVert"/>
+          <a:bodyPr vert="eaVert" lIns="45720" tIns="0" rIns="45720" bIns="0"/>
           <a:lstStyle/>
           <a:p>
             <a:pPr lvl="0"/>
@@ -568,7 +1228,7 @@
               <a:rPr lang="en-US" smtClean="0"/>
               <a:t>Fifth level</a:t>
             </a:r>
-            <a:endParaRPr lang="en-US"/>
+            <a:endParaRPr lang="en-US" dirty="0"/>
           </a:p>
         </p:txBody>
       </p:sp>
@@ -640,7 +1300,7 @@
     </p:spTree>
     <p:extLst>
       <p:ext uri="{BB962C8B-B14F-4D97-AF65-F5344CB8AC3E}">
-        <p14:creationId xmlns:p14="http://schemas.microsoft.com/office/powerpoint/2010/main" val="2355213982"/>
+        <p14:creationId xmlns:p14="http://schemas.microsoft.com/office/powerpoint/2010/main" val="84911767"/>
       </p:ext>
     </p:extLst>
   </p:cSld>
@@ -686,7 +1346,7 @@
               <a:rPr lang="en-US" smtClean="0"/>
               <a:t>Click to edit Master title style</a:t>
             </a:r>
-            <a:endParaRPr lang="en-US"/>
+            <a:endParaRPr lang="en-US" dirty="0"/>
           </a:p>
         </p:txBody>
       </p:sp>
@@ -738,7 +1398,7 @@
               <a:rPr lang="en-US" smtClean="0"/>
               <a:t>Fifth level</a:t>
             </a:r>
-            <a:endParaRPr lang="en-US"/>
+            <a:endParaRPr lang="en-US" dirty="0"/>
           </a:p>
         </p:txBody>
       </p:sp>
@@ -810,7 +1470,7 @@
     </p:spTree>
     <p:extLst>
       <p:ext uri="{BB962C8B-B14F-4D97-AF65-F5344CB8AC3E}">
-        <p14:creationId xmlns:p14="http://schemas.microsoft.com/office/powerpoint/2010/main" val="3451692779"/>
+        <p14:creationId xmlns:p14="http://schemas.microsoft.com/office/powerpoint/2010/main" val="777737889"/>
       </p:ext>
     </p:extLst>
   </p:cSld>
@@ -821,7 +1481,7 @@
 </file>
 
 <file path=ppt/slideLayouts/slideLayout3.xml><?xml version="1.0" encoding="utf-8"?>
-<p:sldLayout xmlns:a="http://schemas.openxmlformats.org/drawingml/2006/main" xmlns:r="http://schemas.openxmlformats.org/officeDocument/2006/relationships" xmlns:p="http://schemas.openxmlformats.org/presentationml/2006/main" type="secHead" preserve="1">
+<p:sldLayout xmlns:a="http://schemas.openxmlformats.org/drawingml/2006/main" xmlns:r="http://schemas.openxmlformats.org/officeDocument/2006/relationships" xmlns:p="http://schemas.openxmlformats.org/presentationml/2006/main" showMasterSp="0" type="secHead" preserve="1">
   <p:cSld name="Section Header">
     <p:spTree>
       <p:nvGrpSpPr>
@@ -839,68 +1499,121 @@
       </p:grpSpPr>
       <p:sp>
         <p:nvSpPr>
-          <p:cNvPr id="2" name="Title 1"/>
-          <p:cNvSpPr>
-            <a:spLocks noGrp="1"/>
-          </p:cNvSpPr>
-          <p:nvPr>
-            <p:ph type="title"/>
-          </p:nvPr>
+          <p:cNvPr id="7" name="Rectangle 6"/>
+          <p:cNvSpPr/>
+          <p:nvPr/>
         </p:nvSpPr>
         <p:spPr>
           <a:xfrm>
-            <a:off x="831850" y="1709738"/>
-            <a:ext cx="10515600" cy="2852737"/>
+            <a:off x="2382" y="6400800"/>
+            <a:ext cx="9141619" cy="457200"/>
+          </a:xfrm>
+          <a:prstGeom prst="rect">
+            <a:avLst/>
+          </a:prstGeom>
+          <a:solidFill>
+            <a:schemeClr val="accent4">
+              <a:lumMod val="75000"/>
+            </a:schemeClr>
+          </a:solidFill>
+          <a:ln>
+            <a:noFill/>
+          </a:ln>
+        </p:spPr>
+        <p:style>
+          <a:lnRef idx="2">
+            <a:schemeClr val="accent1">
+              <a:shade val="50000"/>
+            </a:schemeClr>
+          </a:lnRef>
+          <a:fillRef idx="1">
+            <a:schemeClr val="accent1"/>
+          </a:fillRef>
+          <a:effectRef idx="0">
+            <a:schemeClr val="accent1"/>
+          </a:effectRef>
+          <a:fontRef idx="minor">
+            <a:schemeClr val="lt1"/>
+          </a:fontRef>
+        </p:style>
+      </p:sp>
+      <p:sp>
+        <p:nvSpPr>
+          <p:cNvPr id="2" name="Title 1"/>
+          <p:cNvSpPr>
+            <a:spLocks noGrp="1"/>
+          </p:cNvSpPr>
+          <p:nvPr>
+            <p:ph type="title"/>
+          </p:nvPr>
+        </p:nvSpPr>
+        <p:spPr>
+          <a:xfrm>
+            <a:off x="822960" y="758952"/>
+            <a:ext cx="7543800" cy="3566160"/>
           </a:xfrm>
         </p:spPr>
         <p:txBody>
-          <a:bodyPr anchor="b"/>
+          <a:bodyPr anchor="b" anchorCtr="0">
+            <a:normAutofit/>
+          </a:bodyPr>
           <a:lstStyle>
             <a:lvl1pPr>
-              <a:defRPr sz="6000"/>
-            </a:lvl1pPr>
-          </a:lstStyle>
-          <a:p>
-            <a:r>
-              <a:rPr lang="en-US" smtClean="0"/>
-              <a:t>Click to edit Master title style</a:t>
-            </a:r>
-            <a:endParaRPr lang="en-US"/>
-          </a:p>
-        </p:txBody>
-      </p:sp>
-      <p:sp>
-        <p:nvSpPr>
-          <p:cNvPr id="3" name="Text Placeholder 2"/>
-          <p:cNvSpPr>
-            <a:spLocks noGrp="1"/>
-          </p:cNvSpPr>
-          <p:nvPr>
-            <p:ph type="body" idx="1"/>
-          </p:nvPr>
-        </p:nvSpPr>
-        <p:spPr>
-          <a:xfrm>
-            <a:off x="831850" y="4589463"/>
-            <a:ext cx="10515600" cy="1500187"/>
-          </a:xfrm>
-        </p:spPr>
-        <p:txBody>
-          <a:bodyPr/>
-          <a:lstStyle>
-            <a:lvl1pPr marL="0" indent="0">
-              <a:buNone/>
-              <a:defRPr sz="2400">
+              <a:lnSpc>
+                <a:spcPct val="85000"/>
+              </a:lnSpc>
+              <a:defRPr sz="8000" b="0">
                 <a:solidFill>
                   <a:schemeClr val="tx1">
-                    <a:tint val="75000"/>
+                    <a:lumMod val="85000"/>
+                    <a:lumOff val="15000"/>
                   </a:schemeClr>
                 </a:solidFill>
               </a:defRPr>
             </a:lvl1pPr>
+          </a:lstStyle>
+          <a:p>
+            <a:r>
+              <a:rPr lang="en-US" smtClean="0"/>
+              <a:t>Click to edit Master title style</a:t>
+            </a:r>
+            <a:endParaRPr lang="en-US" dirty="0"/>
+          </a:p>
+        </p:txBody>
+      </p:sp>
+      <p:sp>
+        <p:nvSpPr>
+          <p:cNvPr id="3" name="Text Placeholder 2"/>
+          <p:cNvSpPr>
+            <a:spLocks noGrp="1"/>
+          </p:cNvSpPr>
+          <p:nvPr>
+            <p:ph type="body" idx="1"/>
+          </p:nvPr>
+        </p:nvSpPr>
+        <p:spPr>
+          <a:xfrm>
+            <a:off x="822960" y="4453128"/>
+            <a:ext cx="7543800" cy="1143000"/>
+          </a:xfrm>
+        </p:spPr>
+        <p:txBody>
+          <a:bodyPr lIns="91440" rIns="91440" anchor="t" anchorCtr="0">
+            <a:normAutofit/>
+          </a:bodyPr>
+          <a:lstStyle>
+            <a:lvl1pPr marL="0" indent="0">
+              <a:buNone/>
+              <a:defRPr sz="2400" cap="all" spc="200" baseline="0">
+                <a:solidFill>
+                  <a:schemeClr val="tx2"/>
+                </a:solidFill>
+                <a:latin typeface="+mj-lt"/>
+              </a:defRPr>
+            </a:lvl1pPr>
             <a:lvl2pPr marL="457200" indent="0">
               <a:buNone/>
-              <a:defRPr sz="2000">
+              <a:defRPr sz="1800">
                 <a:solidFill>
                   <a:schemeClr val="tx1">
                     <a:tint val="75000"/>
@@ -910,7 +1623,7 @@
             </a:lvl2pPr>
             <a:lvl3pPr marL="914400" indent="0">
               <a:buNone/>
-              <a:defRPr sz="1800">
+              <a:defRPr sz="1600">
                 <a:solidFill>
                   <a:schemeClr val="tx1">
                     <a:tint val="75000"/>
@@ -920,7 +1633,7 @@
             </a:lvl3pPr>
             <a:lvl4pPr marL="1371600" indent="0">
               <a:buNone/>
-              <a:defRPr sz="1600">
+              <a:defRPr sz="1400">
                 <a:solidFill>
                   <a:schemeClr val="tx1">
                     <a:tint val="75000"/>
@@ -930,7 +1643,7 @@
             </a:lvl4pPr>
             <a:lvl5pPr marL="1828800" indent="0">
               <a:buNone/>
-              <a:defRPr sz="1600">
+              <a:defRPr sz="1400">
                 <a:solidFill>
                   <a:schemeClr val="tx1">
                     <a:tint val="75000"/>
@@ -940,7 +1653,7 @@
             </a:lvl5pPr>
             <a:lvl6pPr marL="2286000" indent="0">
               <a:buNone/>
-              <a:defRPr sz="1600">
+              <a:defRPr sz="1400">
                 <a:solidFill>
                   <a:schemeClr val="tx1">
                     <a:tint val="75000"/>
@@ -950,7 +1663,7 @@
             </a:lvl6pPr>
             <a:lvl7pPr marL="2743200" indent="0">
               <a:buNone/>
-              <a:defRPr sz="1600">
+              <a:defRPr sz="1400">
                 <a:solidFill>
                   <a:schemeClr val="tx1">
                     <a:tint val="75000"/>
@@ -960,7 +1673,7 @@
             </a:lvl7pPr>
             <a:lvl8pPr marL="3200400" indent="0">
               <a:buNone/>
-              <a:defRPr sz="1600">
+              <a:defRPr sz="1400">
                 <a:solidFill>
                   <a:schemeClr val="tx1">
                     <a:tint val="75000"/>
@@ -970,7 +1683,7 @@
             </a:lvl8pPr>
             <a:lvl9pPr marL="3657600" indent="0">
               <a:buNone/>
-              <a:defRPr sz="1600">
+              <a:defRPr sz="1400">
                 <a:solidFill>
                   <a:schemeClr val="tx1">
                     <a:tint val="75000"/>
@@ -1053,10 +1766,86 @@
           </a:p>
         </p:txBody>
       </p:sp>
+      <p:cxnSp>
+        <p:nvCxnSpPr>
+          <p:cNvPr id="9" name="Straight Connector 8"/>
+          <p:cNvCxnSpPr/>
+          <p:nvPr/>
+        </p:nvCxnSpPr>
+        <p:spPr>
+          <a:xfrm>
+            <a:off x="905744" y="4343400"/>
+            <a:ext cx="7406640" cy="0"/>
+          </a:xfrm>
+          <a:prstGeom prst="line">
+            <a:avLst/>
+          </a:prstGeom>
+          <a:ln w="6350">
+            <a:solidFill>
+              <a:schemeClr val="tx1">
+                <a:lumMod val="50000"/>
+                <a:lumOff val="50000"/>
+              </a:schemeClr>
+            </a:solidFill>
+          </a:ln>
+        </p:spPr>
+        <p:style>
+          <a:lnRef idx="1">
+            <a:schemeClr val="accent1"/>
+          </a:lnRef>
+          <a:fillRef idx="0">
+            <a:schemeClr val="accent1"/>
+          </a:fillRef>
+          <a:effectRef idx="0">
+            <a:schemeClr val="accent1"/>
+          </a:effectRef>
+          <a:fontRef idx="minor">
+            <a:schemeClr val="tx1"/>
+          </a:fontRef>
+        </p:style>
+      </p:cxnSp>
+      <p:sp>
+        <p:nvSpPr>
+          <p:cNvPr id="10" name="Rectangle 9"/>
+          <p:cNvSpPr/>
+          <p:nvPr/>
+        </p:nvSpPr>
+        <p:spPr>
+          <a:xfrm>
+            <a:off x="0" y="6334315"/>
+            <a:ext cx="9144001" cy="65999"/>
+          </a:xfrm>
+          <a:prstGeom prst="rect">
+            <a:avLst/>
+          </a:prstGeom>
+          <a:solidFill>
+            <a:schemeClr val="accent4"/>
+          </a:solidFill>
+          <a:ln>
+            <a:noFill/>
+          </a:ln>
+        </p:spPr>
+        <p:style>
+          <a:lnRef idx="2">
+            <a:schemeClr val="accent1">
+              <a:shade val="50000"/>
+            </a:schemeClr>
+          </a:lnRef>
+          <a:fillRef idx="1">
+            <a:schemeClr val="accent1"/>
+          </a:fillRef>
+          <a:effectRef idx="0">
+            <a:schemeClr val="accent1"/>
+          </a:effectRef>
+          <a:fontRef idx="minor">
+            <a:schemeClr val="lt1"/>
+          </a:fontRef>
+        </p:style>
+      </p:sp>
     </p:spTree>
     <p:extLst>
       <p:ext uri="{BB962C8B-B14F-4D97-AF65-F5344CB8AC3E}">
-        <p14:creationId xmlns:p14="http://schemas.microsoft.com/office/powerpoint/2010/main" val="3436558222"/>
+        <p14:creationId xmlns:p14="http://schemas.microsoft.com/office/powerpoint/2010/main" val="748708280"/>
       </p:ext>
     </p:extLst>
   </p:cSld>
@@ -1085,98 +1874,46 @@
       </p:grpSpPr>
       <p:sp>
         <p:nvSpPr>
-          <p:cNvPr id="2" name="Title 1"/>
+          <p:cNvPr id="8" name="Title 7"/>
           <p:cNvSpPr>
             <a:spLocks noGrp="1"/>
           </p:cNvSpPr>
           <p:nvPr>
             <p:ph type="title"/>
-          </p:nvPr>
-        </p:nvSpPr>
-        <p:spPr/>
-        <p:txBody>
-          <a:bodyPr/>
-          <a:lstStyle/>
-          <a:p>
-            <a:r>
-              <a:rPr lang="en-US" smtClean="0"/>
-              <a:t>Click to edit Master title style</a:t>
-            </a:r>
-            <a:endParaRPr lang="en-US"/>
-          </a:p>
-        </p:txBody>
-      </p:sp>
-      <p:sp>
-        <p:nvSpPr>
-          <p:cNvPr id="3" name="Content Placeholder 2"/>
-          <p:cNvSpPr>
-            <a:spLocks noGrp="1"/>
-          </p:cNvSpPr>
-          <p:nvPr>
-            <p:ph sz="half" idx="1"/>
           </p:nvPr>
         </p:nvSpPr>
         <p:spPr>
           <a:xfrm>
-            <a:off x="838200" y="1825625"/>
-            <a:ext cx="5181600" cy="4351338"/>
+            <a:off x="822960" y="286604"/>
+            <a:ext cx="7543800" cy="1450757"/>
           </a:xfrm>
         </p:spPr>
         <p:txBody>
           <a:bodyPr/>
           <a:lstStyle/>
           <a:p>
-            <a:pPr lvl="0"/>
-            <a:r>
-              <a:rPr lang="en-US" smtClean="0"/>
-              <a:t>Click to edit Master text styles</a:t>
-            </a:r>
-          </a:p>
-          <a:p>
-            <a:pPr lvl="1"/>
-            <a:r>
-              <a:rPr lang="en-US" smtClean="0"/>
-              <a:t>Second level</a:t>
-            </a:r>
-          </a:p>
-          <a:p>
-            <a:pPr lvl="2"/>
-            <a:r>
-              <a:rPr lang="en-US" smtClean="0"/>
-              <a:t>Third level</a:t>
-            </a:r>
-          </a:p>
-          <a:p>
-            <a:pPr lvl="3"/>
-            <a:r>
-              <a:rPr lang="en-US" smtClean="0"/>
-              <a:t>Fourth level</a:t>
-            </a:r>
-          </a:p>
-          <a:p>
-            <a:pPr lvl="4"/>
-            <a:r>
-              <a:rPr lang="en-US" smtClean="0"/>
-              <a:t>Fifth level</a:t>
-            </a:r>
-            <a:endParaRPr lang="en-US"/>
-          </a:p>
-        </p:txBody>
-      </p:sp>
-      <p:sp>
-        <p:nvSpPr>
-          <p:cNvPr id="4" name="Content Placeholder 3"/>
-          <p:cNvSpPr>
-            <a:spLocks noGrp="1"/>
-          </p:cNvSpPr>
-          <p:nvPr>
-            <p:ph sz="half" idx="2"/>
+            <a:r>
+              <a:rPr lang="en-US" smtClean="0"/>
+              <a:t>Click to edit Master title style</a:t>
+            </a:r>
+            <a:endParaRPr lang="en-US" dirty="0"/>
+          </a:p>
+        </p:txBody>
+      </p:sp>
+      <p:sp>
+        <p:nvSpPr>
+          <p:cNvPr id="3" name="Content Placeholder 2"/>
+          <p:cNvSpPr>
+            <a:spLocks noGrp="1"/>
+          </p:cNvSpPr>
+          <p:nvPr>
+            <p:ph sz="half" idx="1"/>
           </p:nvPr>
         </p:nvSpPr>
         <p:spPr>
           <a:xfrm>
-            <a:off x="6172200" y="1825625"/>
-            <a:ext cx="5181600" cy="4351338"/>
+            <a:off x="822960" y="1845734"/>
+            <a:ext cx="3703320" cy="4023360"/>
           </a:xfrm>
         </p:spPr>
         <p:txBody>
@@ -1216,7 +1953,64 @@
               <a:rPr lang="en-US" smtClean="0"/>
               <a:t>Fifth level</a:t>
             </a:r>
-            <a:endParaRPr lang="en-US"/>
+            <a:endParaRPr lang="en-US" dirty="0"/>
+          </a:p>
+        </p:txBody>
+      </p:sp>
+      <p:sp>
+        <p:nvSpPr>
+          <p:cNvPr id="4" name="Content Placeholder 3"/>
+          <p:cNvSpPr>
+            <a:spLocks noGrp="1"/>
+          </p:cNvSpPr>
+          <p:nvPr>
+            <p:ph sz="half" idx="2"/>
+          </p:nvPr>
+        </p:nvSpPr>
+        <p:spPr>
+          <a:xfrm>
+            <a:off x="4663440" y="1845735"/>
+            <a:ext cx="3703320" cy="4023360"/>
+          </a:xfrm>
+        </p:spPr>
+        <p:txBody>
+          <a:bodyPr/>
+          <a:lstStyle/>
+          <a:p>
+            <a:pPr lvl="0"/>
+            <a:r>
+              <a:rPr lang="en-US" smtClean="0"/>
+              <a:t>Click to edit Master text styles</a:t>
+            </a:r>
+          </a:p>
+          <a:p>
+            <a:pPr lvl="1"/>
+            <a:r>
+              <a:rPr lang="en-US" smtClean="0"/>
+              <a:t>Second level</a:t>
+            </a:r>
+          </a:p>
+          <a:p>
+            <a:pPr lvl="2"/>
+            <a:r>
+              <a:rPr lang="en-US" smtClean="0"/>
+              <a:t>Third level</a:t>
+            </a:r>
+          </a:p>
+          <a:p>
+            <a:pPr lvl="3"/>
+            <a:r>
+              <a:rPr lang="en-US" smtClean="0"/>
+              <a:t>Fourth level</a:t>
+            </a:r>
+          </a:p>
+          <a:p>
+            <a:pPr lvl="4"/>
+            <a:r>
+              <a:rPr lang="en-US" smtClean="0"/>
+              <a:t>Fifth level</a:t>
+            </a:r>
+            <a:endParaRPr lang="en-US" dirty="0"/>
           </a:p>
         </p:txBody>
       </p:sp>
@@ -1288,7 +2082,7 @@
     </p:spTree>
     <p:extLst>
       <p:ext uri="{BB962C8B-B14F-4D97-AF65-F5344CB8AC3E}">
-        <p14:creationId xmlns:p14="http://schemas.microsoft.com/office/powerpoint/2010/main" val="2453562716"/>
+        <p14:creationId xmlns:p14="http://schemas.microsoft.com/office/powerpoint/2010/main" val="4016681415"/>
       </p:ext>
     </p:extLst>
   </p:cSld>
@@ -1317,7 +2111,7 @@
       </p:grpSpPr>
       <p:sp>
         <p:nvSpPr>
-          <p:cNvPr id="2" name="Title 1"/>
+          <p:cNvPr id="10" name="Title 9"/>
           <p:cNvSpPr>
             <a:spLocks noGrp="1"/>
           </p:cNvSpPr>
@@ -1327,8 +2121,8 @@
         </p:nvSpPr>
         <p:spPr>
           <a:xfrm>
-            <a:off x="839788" y="365125"/>
-            <a:ext cx="10515600" cy="1325563"/>
+            <a:off x="822960" y="286604"/>
+            <a:ext cx="7543800" cy="1450757"/>
           </a:xfrm>
         </p:spPr>
         <p:txBody>
@@ -1339,7 +2133,7 @@
               <a:rPr lang="en-US" smtClean="0"/>
               <a:t>Click to edit Master title style</a:t>
             </a:r>
-            <a:endParaRPr lang="en-US"/>
+            <a:endParaRPr lang="en-US" dirty="0"/>
           </a:p>
         </p:txBody>
       </p:sp>
@@ -1355,16 +2149,22 @@
         </p:nvSpPr>
         <p:spPr>
           <a:xfrm>
-            <a:off x="839788" y="1681163"/>
-            <a:ext cx="5157787" cy="823912"/>
+            <a:off x="822960" y="1846052"/>
+            <a:ext cx="3703320" cy="736282"/>
           </a:xfrm>
         </p:spPr>
         <p:txBody>
-          <a:bodyPr anchor="b"/>
+          <a:bodyPr lIns="91440" rIns="91440" anchor="ctr">
+            <a:normAutofit/>
+          </a:bodyPr>
           <a:lstStyle>
             <a:lvl1pPr marL="0" indent="0">
               <a:buNone/>
-              <a:defRPr sz="2400" b="1"/>
+              <a:defRPr sz="2000" b="0" cap="all" baseline="0">
+                <a:solidFill>
+                  <a:schemeClr val="tx2"/>
+                </a:solidFill>
+              </a:defRPr>
             </a:lvl1pPr>
             <a:lvl2pPr marL="457200" indent="0">
               <a:buNone/>
@@ -1420,8 +2220,8 @@
         </p:nvSpPr>
         <p:spPr>
           <a:xfrm>
-            <a:off x="839788" y="2505075"/>
-            <a:ext cx="5157787" cy="3684588"/>
+            <a:off x="822960" y="2582334"/>
+            <a:ext cx="3703320" cy="3378200"/>
           </a:xfrm>
         </p:spPr>
         <p:txBody>
@@ -1461,7 +2261,7 @@
               <a:rPr lang="en-US" smtClean="0"/>
               <a:t>Fifth level</a:t>
             </a:r>
-            <a:endParaRPr lang="en-US"/>
+            <a:endParaRPr lang="en-US" dirty="0"/>
           </a:p>
         </p:txBody>
       </p:sp>
@@ -1477,16 +2277,22 @@
         </p:nvSpPr>
         <p:spPr>
           <a:xfrm>
-            <a:off x="6172200" y="1681163"/>
-            <a:ext cx="5183188" cy="823912"/>
+            <a:off x="4663440" y="1846052"/>
+            <a:ext cx="3703320" cy="736282"/>
           </a:xfrm>
         </p:spPr>
         <p:txBody>
-          <a:bodyPr anchor="b"/>
+          <a:bodyPr lIns="91440" rIns="91440" anchor="ctr">
+            <a:normAutofit/>
+          </a:bodyPr>
           <a:lstStyle>
             <a:lvl1pPr marL="0" indent="0">
               <a:buNone/>
-              <a:defRPr sz="2400" b="1"/>
+              <a:defRPr sz="2000" b="0" cap="all" baseline="0">
+                <a:solidFill>
+                  <a:schemeClr val="tx2"/>
+                </a:solidFill>
+              </a:defRPr>
             </a:lvl1pPr>
             <a:lvl2pPr marL="457200" indent="0">
               <a:buNone/>
@@ -1542,8 +2348,8 @@
         </p:nvSpPr>
         <p:spPr>
           <a:xfrm>
-            <a:off x="6172200" y="2505075"/>
-            <a:ext cx="5183188" cy="3684588"/>
+            <a:off x="4663440" y="2582334"/>
+            <a:ext cx="3703320" cy="3378200"/>
           </a:xfrm>
         </p:spPr>
         <p:txBody>
@@ -1583,7 +2389,7 @@
               <a:rPr lang="en-US" smtClean="0"/>
               <a:t>Fifth level</a:t>
             </a:r>
-            <a:endParaRPr lang="en-US"/>
+            <a:endParaRPr lang="en-US" dirty="0"/>
           </a:p>
         </p:txBody>
       </p:sp>
@@ -1655,7 +2461,7 @@
     </p:spTree>
     <p:extLst>
       <p:ext uri="{BB962C8B-B14F-4D97-AF65-F5344CB8AC3E}">
-        <p14:creationId xmlns:p14="http://schemas.microsoft.com/office/powerpoint/2010/main" val="1224993536"/>
+        <p14:creationId xmlns:p14="http://schemas.microsoft.com/office/powerpoint/2010/main" val="1177237873"/>
       </p:ext>
     </p:extLst>
   </p:cSld>
@@ -1701,7 +2507,7 @@
               <a:rPr lang="en-US" smtClean="0"/>
               <a:t>Click to edit Master title style</a:t>
             </a:r>
-            <a:endParaRPr lang="en-US"/>
+            <a:endParaRPr lang="en-US" dirty="0"/>
           </a:p>
         </p:txBody>
       </p:sp>
@@ -1773,7 +2579,7 @@
     </p:spTree>
     <p:extLst>
       <p:ext uri="{BB962C8B-B14F-4D97-AF65-F5344CB8AC3E}">
-        <p14:creationId xmlns:p14="http://schemas.microsoft.com/office/powerpoint/2010/main" val="1162767818"/>
+        <p14:creationId xmlns:p14="http://schemas.microsoft.com/office/powerpoint/2010/main" val="2199409195"/>
       </p:ext>
     </p:extLst>
   </p:cSld>
@@ -1784,7 +2590,7 @@
 </file>
 
 <file path=ppt/slideLayouts/slideLayout7.xml><?xml version="1.0" encoding="utf-8"?>
-<p:sldLayout xmlns:a="http://schemas.openxmlformats.org/drawingml/2006/main" xmlns:r="http://schemas.openxmlformats.org/officeDocument/2006/relationships" xmlns:p="http://schemas.openxmlformats.org/presentationml/2006/main" type="blank" preserve="1">
+<p:sldLayout xmlns:a="http://schemas.openxmlformats.org/drawingml/2006/main" xmlns:r="http://schemas.openxmlformats.org/officeDocument/2006/relationships" xmlns:p="http://schemas.openxmlformats.org/presentationml/2006/main" showMasterSp="0" type="blank" preserve="1">
   <p:cSld name="Blank">
     <p:spTree>
       <p:nvGrpSpPr>
@@ -1802,7 +2608,85 @@
       </p:grpSpPr>
       <p:sp>
         <p:nvSpPr>
-          <p:cNvPr id="2" name="Date Placeholder 1"/>
+          <p:cNvPr id="5" name="Rectangle 4"/>
+          <p:cNvSpPr/>
+          <p:nvPr/>
+        </p:nvSpPr>
+        <p:spPr>
+          <a:xfrm>
+            <a:off x="2382" y="6400800"/>
+            <a:ext cx="9141619" cy="457200"/>
+          </a:xfrm>
+          <a:prstGeom prst="rect">
+            <a:avLst/>
+          </a:prstGeom>
+          <a:solidFill>
+            <a:schemeClr val="accent4">
+              <a:lumMod val="75000"/>
+            </a:schemeClr>
+          </a:solidFill>
+          <a:ln>
+            <a:noFill/>
+          </a:ln>
+        </p:spPr>
+        <p:style>
+          <a:lnRef idx="2">
+            <a:schemeClr val="accent1">
+              <a:shade val="50000"/>
+            </a:schemeClr>
+          </a:lnRef>
+          <a:fillRef idx="1">
+            <a:schemeClr val="accent1"/>
+          </a:fillRef>
+          <a:effectRef idx="0">
+            <a:schemeClr val="accent1"/>
+          </a:effectRef>
+          <a:fontRef idx="minor">
+            <a:schemeClr val="lt1"/>
+          </a:fontRef>
+        </p:style>
+      </p:sp>
+      <p:sp>
+        <p:nvSpPr>
+          <p:cNvPr id="6" name="Rectangle 5"/>
+          <p:cNvSpPr/>
+          <p:nvPr/>
+        </p:nvSpPr>
+        <p:spPr>
+          <a:xfrm>
+            <a:off x="12" y="6334316"/>
+            <a:ext cx="9141619" cy="64008"/>
+          </a:xfrm>
+          <a:prstGeom prst="rect">
+            <a:avLst/>
+          </a:prstGeom>
+          <a:solidFill>
+            <a:schemeClr val="accent4"/>
+          </a:solidFill>
+          <a:ln>
+            <a:noFill/>
+          </a:ln>
+        </p:spPr>
+        <p:style>
+          <a:lnRef idx="2">
+            <a:schemeClr val="accent1">
+              <a:shade val="50000"/>
+            </a:schemeClr>
+          </a:lnRef>
+          <a:fillRef idx="1">
+            <a:schemeClr val="accent1"/>
+          </a:fillRef>
+          <a:effectRef idx="0">
+            <a:schemeClr val="accent1"/>
+          </a:effectRef>
+          <a:fontRef idx="minor">
+            <a:schemeClr val="lt1"/>
+          </a:fontRef>
+        </p:style>
+      </p:sp>
+      <p:sp>
+        <p:nvSpPr>
+          <p:cNvPr id="7" name="Date Placeholder 6"/>
           <p:cNvSpPr>
             <a:spLocks noGrp="1"/>
           </p:cNvSpPr>
@@ -1825,7 +2709,7 @@
       </p:sp>
       <p:sp>
         <p:nvSpPr>
-          <p:cNvPr id="3" name="Footer Placeholder 2"/>
+          <p:cNvPr id="8" name="Footer Placeholder 7"/>
           <p:cNvSpPr>
             <a:spLocks noGrp="1"/>
           </p:cNvSpPr>
@@ -1836,7 +2720,15 @@
         <p:spPr/>
         <p:txBody>
           <a:bodyPr/>
-          <a:lstStyle/>
+          <a:lstStyle>
+            <a:lvl1pPr>
+              <a:defRPr>
+                <a:solidFill>
+                  <a:srgbClr val="FFFFFF"/>
+                </a:solidFill>
+              </a:defRPr>
+            </a:lvl1pPr>
+          </a:lstStyle>
           <a:p>
             <a:endParaRPr lang="en-US"/>
           </a:p>
@@ -1844,7 +2736,7 @@
       </p:sp>
       <p:sp>
         <p:nvSpPr>
-          <p:cNvPr id="4" name="Slide Number Placeholder 3"/>
+          <p:cNvPr id="9" name="Slide Number Placeholder 8"/>
           <p:cNvSpPr>
             <a:spLocks noGrp="1"/>
           </p:cNvSpPr>
@@ -1868,7 +2760,7 @@
     </p:spTree>
     <p:extLst>
       <p:ext uri="{BB962C8B-B14F-4D97-AF65-F5344CB8AC3E}">
-        <p14:creationId xmlns:p14="http://schemas.microsoft.com/office/powerpoint/2010/main" val="611373317"/>
+        <p14:creationId xmlns:p14="http://schemas.microsoft.com/office/powerpoint/2010/main" val="494649381"/>
       </p:ext>
     </p:extLst>
   </p:cSld>
@@ -1879,7 +2771,7 @@
 </file>
 
 <file path=ppt/slideLayouts/slideLayout8.xml><?xml version="1.0" encoding="utf-8"?>
-<p:sldLayout xmlns:a="http://schemas.openxmlformats.org/drawingml/2006/main" xmlns:r="http://schemas.openxmlformats.org/officeDocument/2006/relationships" xmlns:p="http://schemas.openxmlformats.org/presentationml/2006/main" type="objTx" preserve="1">
+<p:sldLayout xmlns:a="http://schemas.openxmlformats.org/drawingml/2006/main" xmlns:r="http://schemas.openxmlformats.org/officeDocument/2006/relationships" xmlns:p="http://schemas.openxmlformats.org/presentationml/2006/main" showMasterSp="0" type="objTx" preserve="1">
   <p:cSld name="Content with Caption">
     <p:spTree>
       <p:nvGrpSpPr>
@@ -1897,25 +2789,109 @@
       </p:grpSpPr>
       <p:sp>
         <p:nvSpPr>
-          <p:cNvPr id="2" name="Title 1"/>
-          <p:cNvSpPr>
-            <a:spLocks noGrp="1"/>
-          </p:cNvSpPr>
-          <p:nvPr>
-            <p:ph type="title"/>
-          </p:nvPr>
+          <p:cNvPr id="8" name="Rectangle 7"/>
+          <p:cNvSpPr/>
+          <p:nvPr/>
         </p:nvSpPr>
         <p:spPr>
           <a:xfrm>
-            <a:off x="839788" y="457200"/>
-            <a:ext cx="3932237" cy="1600200"/>
+            <a:off x="13" y="0"/>
+            <a:ext cx="3038093" cy="6858000"/>
+          </a:xfrm>
+          <a:prstGeom prst="rect">
+            <a:avLst/>
+          </a:prstGeom>
+          <a:solidFill>
+            <a:schemeClr val="accent4">
+              <a:lumMod val="75000"/>
+            </a:schemeClr>
+          </a:solidFill>
+          <a:ln>
+            <a:noFill/>
+          </a:ln>
+        </p:spPr>
+        <p:style>
+          <a:lnRef idx="2">
+            <a:schemeClr val="accent1">
+              <a:shade val="50000"/>
+            </a:schemeClr>
+          </a:lnRef>
+          <a:fillRef idx="1">
+            <a:schemeClr val="accent1"/>
+          </a:fillRef>
+          <a:effectRef idx="0">
+            <a:schemeClr val="accent1"/>
+          </a:effectRef>
+          <a:fontRef idx="minor">
+            <a:schemeClr val="lt1"/>
+          </a:fontRef>
+        </p:style>
+      </p:sp>
+      <p:sp>
+        <p:nvSpPr>
+          <p:cNvPr id="9" name="Rectangle 8"/>
+          <p:cNvSpPr/>
+          <p:nvPr/>
+        </p:nvSpPr>
+        <p:spPr>
+          <a:xfrm>
+            <a:off x="3030053" y="0"/>
+            <a:ext cx="48006" cy="6858000"/>
+          </a:xfrm>
+          <a:prstGeom prst="rect">
+            <a:avLst/>
+          </a:prstGeom>
+          <a:solidFill>
+            <a:schemeClr val="accent4"/>
+          </a:solidFill>
+          <a:ln>
+            <a:noFill/>
+          </a:ln>
+        </p:spPr>
+        <p:style>
+          <a:lnRef idx="2">
+            <a:schemeClr val="accent1">
+              <a:shade val="50000"/>
+            </a:schemeClr>
+          </a:lnRef>
+          <a:fillRef idx="1">
+            <a:schemeClr val="accent1"/>
+          </a:fillRef>
+          <a:effectRef idx="0">
+            <a:schemeClr val="accent1"/>
+          </a:effectRef>
+          <a:fontRef idx="minor">
+            <a:schemeClr val="lt1"/>
+          </a:fontRef>
+        </p:style>
+      </p:sp>
+      <p:sp>
+        <p:nvSpPr>
+          <p:cNvPr id="2" name="Title 1"/>
+          <p:cNvSpPr>
+            <a:spLocks noGrp="1"/>
+          </p:cNvSpPr>
+          <p:nvPr>
+            <p:ph type="title"/>
+          </p:nvPr>
+        </p:nvSpPr>
+        <p:spPr>
+          <a:xfrm>
+            <a:off x="342900" y="594359"/>
+            <a:ext cx="2400300" cy="2286000"/>
           </a:xfrm>
         </p:spPr>
         <p:txBody>
-          <a:bodyPr anchor="b"/>
+          <a:bodyPr anchor="b">
+            <a:normAutofit/>
+          </a:bodyPr>
           <a:lstStyle>
             <a:lvl1pPr>
-              <a:defRPr sz="3200"/>
+              <a:defRPr sz="3600" b="0">
+                <a:solidFill>
+                  <a:srgbClr val="FFFFFF"/>
+                </a:solidFill>
+              </a:defRPr>
             </a:lvl1pPr>
           </a:lstStyle>
           <a:p>
@@ -1923,7 +2899,7 @@
               <a:rPr lang="en-US" smtClean="0"/>
               <a:t>Click to edit Master title style</a:t>
             </a:r>
-            <a:endParaRPr lang="en-US"/>
+            <a:endParaRPr lang="en-US" dirty="0"/>
           </a:p>
         </p:txBody>
       </p:sp>
@@ -1939,200 +2915,208 @@
         </p:nvSpPr>
         <p:spPr>
           <a:xfrm>
-            <a:off x="5183188" y="987425"/>
-            <a:ext cx="6172200" cy="4873625"/>
+            <a:off x="3600450" y="731520"/>
+            <a:ext cx="4869180" cy="5257800"/>
           </a:xfrm>
         </p:spPr>
+        <p:txBody>
+          <a:bodyPr/>
+          <a:lstStyle/>
+          <a:p>
+            <a:pPr lvl="0"/>
+            <a:r>
+              <a:rPr lang="en-US" smtClean="0"/>
+              <a:t>Click to edit Master text styles</a:t>
+            </a:r>
+          </a:p>
+          <a:p>
+            <a:pPr lvl="1"/>
+            <a:r>
+              <a:rPr lang="en-US" smtClean="0"/>
+              <a:t>Second level</a:t>
+            </a:r>
+          </a:p>
+          <a:p>
+            <a:pPr lvl="2"/>
+            <a:r>
+              <a:rPr lang="en-US" smtClean="0"/>
+              <a:t>Third level</a:t>
+            </a:r>
+          </a:p>
+          <a:p>
+            <a:pPr lvl="3"/>
+            <a:r>
+              <a:rPr lang="en-US" smtClean="0"/>
+              <a:t>Fourth level</a:t>
+            </a:r>
+          </a:p>
+          <a:p>
+            <a:pPr lvl="4"/>
+            <a:r>
+              <a:rPr lang="en-US" smtClean="0"/>
+              <a:t>Fifth level</a:t>
+            </a:r>
+            <a:endParaRPr lang="en-US" dirty="0"/>
+          </a:p>
+        </p:txBody>
+      </p:sp>
+      <p:sp>
+        <p:nvSpPr>
+          <p:cNvPr id="4" name="Text Placeholder 3"/>
+          <p:cNvSpPr>
+            <a:spLocks noGrp="1"/>
+          </p:cNvSpPr>
+          <p:nvPr>
+            <p:ph type="body" sz="half" idx="2"/>
+          </p:nvPr>
+        </p:nvSpPr>
+        <p:spPr>
+          <a:xfrm>
+            <a:off x="342900" y="2926080"/>
+            <a:ext cx="2400300" cy="3379124"/>
+          </a:xfrm>
+        </p:spPr>
+        <p:txBody>
+          <a:bodyPr lIns="91440" rIns="91440">
+            <a:normAutofit/>
+          </a:bodyPr>
+          <a:lstStyle>
+            <a:lvl1pPr marL="0" indent="0">
+              <a:buNone/>
+              <a:defRPr sz="1500">
+                <a:solidFill>
+                  <a:srgbClr val="FFFFFF"/>
+                </a:solidFill>
+              </a:defRPr>
+            </a:lvl1pPr>
+            <a:lvl2pPr marL="457200" indent="0">
+              <a:buNone/>
+              <a:defRPr sz="1200"/>
+            </a:lvl2pPr>
+            <a:lvl3pPr marL="914400" indent="0">
+              <a:buNone/>
+              <a:defRPr sz="1000"/>
+            </a:lvl3pPr>
+            <a:lvl4pPr marL="1371600" indent="0">
+              <a:buNone/>
+              <a:defRPr sz="900"/>
+            </a:lvl4pPr>
+            <a:lvl5pPr marL="1828800" indent="0">
+              <a:buNone/>
+              <a:defRPr sz="900"/>
+            </a:lvl5pPr>
+            <a:lvl6pPr marL="2286000" indent="0">
+              <a:buNone/>
+              <a:defRPr sz="900"/>
+            </a:lvl6pPr>
+            <a:lvl7pPr marL="2743200" indent="0">
+              <a:buNone/>
+              <a:defRPr sz="900"/>
+            </a:lvl7pPr>
+            <a:lvl8pPr marL="3200400" indent="0">
+              <a:buNone/>
+              <a:defRPr sz="900"/>
+            </a:lvl8pPr>
+            <a:lvl9pPr marL="3657600" indent="0">
+              <a:buNone/>
+              <a:defRPr sz="900"/>
+            </a:lvl9pPr>
+          </a:lstStyle>
+          <a:p>
+            <a:pPr lvl="0"/>
+            <a:r>
+              <a:rPr lang="en-US" smtClean="0"/>
+              <a:t>Click to edit Master text styles</a:t>
+            </a:r>
+          </a:p>
+        </p:txBody>
+      </p:sp>
+      <p:sp>
+        <p:nvSpPr>
+          <p:cNvPr id="5" name="Date Placeholder 4"/>
+          <p:cNvSpPr>
+            <a:spLocks noGrp="1"/>
+          </p:cNvSpPr>
+          <p:nvPr>
+            <p:ph type="dt" sz="half" idx="10"/>
+          </p:nvPr>
+        </p:nvSpPr>
+        <p:spPr>
+          <a:xfrm>
+            <a:off x="349134" y="6459786"/>
+            <a:ext cx="1963883" cy="365125"/>
+          </a:xfrm>
+        </p:spPr>
+        <p:txBody>
+          <a:bodyPr/>
+          <a:lstStyle>
+            <a:lvl1pPr algn="l">
+              <a:defRPr/>
+            </a:lvl1pPr>
+          </a:lstStyle>
+          <a:p>
+            <a:fld id="{946C09A6-9C07-4BE9-AA89-923D1E41B954}" type="datetimeFigureOut">
+              <a:rPr lang="en-US" smtClean="0"/>
+              <a:t>4/15/2013</a:t>
+            </a:fld>
+            <a:endParaRPr lang="en-US"/>
+          </a:p>
+        </p:txBody>
+      </p:sp>
+      <p:sp>
+        <p:nvSpPr>
+          <p:cNvPr id="6" name="Footer Placeholder 5"/>
+          <p:cNvSpPr>
+            <a:spLocks noGrp="1"/>
+          </p:cNvSpPr>
+          <p:nvPr>
+            <p:ph type="ftr" sz="quarter" idx="11"/>
+          </p:nvPr>
+        </p:nvSpPr>
+        <p:spPr>
+          <a:xfrm>
+            <a:off x="3600450" y="6459786"/>
+            <a:ext cx="3486150" cy="365125"/>
+          </a:xfrm>
+        </p:spPr>
+        <p:txBody>
+          <a:bodyPr/>
+          <a:lstStyle>
+            <a:lvl1pPr algn="l">
+              <a:defRPr>
+                <a:solidFill>
+                  <a:schemeClr val="tx2"/>
+                </a:solidFill>
+              </a:defRPr>
+            </a:lvl1pPr>
+          </a:lstStyle>
+          <a:p>
+            <a:endParaRPr lang="en-US"/>
+          </a:p>
+        </p:txBody>
+      </p:sp>
+      <p:sp>
+        <p:nvSpPr>
+          <p:cNvPr id="7" name="Slide Number Placeholder 6"/>
+          <p:cNvSpPr>
+            <a:spLocks noGrp="1"/>
+          </p:cNvSpPr>
+          <p:nvPr>
+            <p:ph type="sldNum" sz="quarter" idx="12"/>
+          </p:nvPr>
+        </p:nvSpPr>
+        <p:spPr/>
         <p:txBody>
           <a:bodyPr/>
           <a:lstStyle>
             <a:lvl1pPr>
-              <a:defRPr sz="3200"/>
+              <a:defRPr>
+                <a:solidFill>
+                  <a:schemeClr val="tx2"/>
+                </a:solidFill>
+              </a:defRPr>
             </a:lvl1pPr>
-            <a:lvl2pPr>
-              <a:defRPr sz="2800"/>
-            </a:lvl2pPr>
-            <a:lvl3pPr>
-              <a:defRPr sz="2400"/>
-            </a:lvl3pPr>
-            <a:lvl4pPr>
-              <a:defRPr sz="2000"/>
-            </a:lvl4pPr>
-            <a:lvl5pPr>
-              <a:defRPr sz="2000"/>
-            </a:lvl5pPr>
-            <a:lvl6pPr>
-              <a:defRPr sz="2000"/>
-            </a:lvl6pPr>
-            <a:lvl7pPr>
-              <a:defRPr sz="2000"/>
-            </a:lvl7pPr>
-            <a:lvl8pPr>
-              <a:defRPr sz="2000"/>
-            </a:lvl8pPr>
-            <a:lvl9pPr>
-              <a:defRPr sz="2000"/>
-            </a:lvl9pPr>
           </a:lstStyle>
-          <a:p>
-            <a:pPr lvl="0"/>
-            <a:r>
-              <a:rPr lang="en-US" smtClean="0"/>
-              <a:t>Click to edit Master text styles</a:t>
-            </a:r>
-          </a:p>
-          <a:p>
-            <a:pPr lvl="1"/>
-            <a:r>
-              <a:rPr lang="en-US" smtClean="0"/>
-              <a:t>Second level</a:t>
-            </a:r>
-          </a:p>
-          <a:p>
-            <a:pPr lvl="2"/>
-            <a:r>
-              <a:rPr lang="en-US" smtClean="0"/>
-              <a:t>Third level</a:t>
-            </a:r>
-          </a:p>
-          <a:p>
-            <a:pPr lvl="3"/>
-            <a:r>
-              <a:rPr lang="en-US" smtClean="0"/>
-              <a:t>Fourth level</a:t>
-            </a:r>
-          </a:p>
-          <a:p>
-            <a:pPr lvl="4"/>
-            <a:r>
-              <a:rPr lang="en-US" smtClean="0"/>
-              <a:t>Fifth level</a:t>
-            </a:r>
-            <a:endParaRPr lang="en-US"/>
-          </a:p>
-        </p:txBody>
-      </p:sp>
-      <p:sp>
-        <p:nvSpPr>
-          <p:cNvPr id="4" name="Text Placeholder 3"/>
-          <p:cNvSpPr>
-            <a:spLocks noGrp="1"/>
-          </p:cNvSpPr>
-          <p:nvPr>
-            <p:ph type="body" sz="half" idx="2"/>
-          </p:nvPr>
-        </p:nvSpPr>
-        <p:spPr>
-          <a:xfrm>
-            <a:off x="839788" y="2057400"/>
-            <a:ext cx="3932237" cy="3811588"/>
-          </a:xfrm>
-        </p:spPr>
-        <p:txBody>
-          <a:bodyPr/>
-          <a:lstStyle>
-            <a:lvl1pPr marL="0" indent="0">
-              <a:buNone/>
-              <a:defRPr sz="1600"/>
-            </a:lvl1pPr>
-            <a:lvl2pPr marL="457200" indent="0">
-              <a:buNone/>
-              <a:defRPr sz="1400"/>
-            </a:lvl2pPr>
-            <a:lvl3pPr marL="914400" indent="0">
-              <a:buNone/>
-              <a:defRPr sz="1200"/>
-            </a:lvl3pPr>
-            <a:lvl4pPr marL="1371600" indent="0">
-              <a:buNone/>
-              <a:defRPr sz="1000"/>
-            </a:lvl4pPr>
-            <a:lvl5pPr marL="1828800" indent="0">
-              <a:buNone/>
-              <a:defRPr sz="1000"/>
-            </a:lvl5pPr>
-            <a:lvl6pPr marL="2286000" indent="0">
-              <a:buNone/>
-              <a:defRPr sz="1000"/>
-            </a:lvl6pPr>
-            <a:lvl7pPr marL="2743200" indent="0">
-              <a:buNone/>
-              <a:defRPr sz="1000"/>
-            </a:lvl7pPr>
-            <a:lvl8pPr marL="3200400" indent="0">
-              <a:buNone/>
-              <a:defRPr sz="1000"/>
-            </a:lvl8pPr>
-            <a:lvl9pPr marL="3657600" indent="0">
-              <a:buNone/>
-              <a:defRPr sz="1000"/>
-            </a:lvl9pPr>
-          </a:lstStyle>
-          <a:p>
-            <a:pPr lvl="0"/>
-            <a:r>
-              <a:rPr lang="en-US" smtClean="0"/>
-              <a:t>Click to edit Master text styles</a:t>
-            </a:r>
-          </a:p>
-        </p:txBody>
-      </p:sp>
-      <p:sp>
-        <p:nvSpPr>
-          <p:cNvPr id="5" name="Date Placeholder 4"/>
-          <p:cNvSpPr>
-            <a:spLocks noGrp="1"/>
-          </p:cNvSpPr>
-          <p:nvPr>
-            <p:ph type="dt" sz="half" idx="10"/>
-          </p:nvPr>
-        </p:nvSpPr>
-        <p:spPr/>
-        <p:txBody>
-          <a:bodyPr/>
-          <a:lstStyle/>
-          <a:p>
-            <a:fld id="{946C09A6-9C07-4BE9-AA89-923D1E41B954}" type="datetimeFigureOut">
-              <a:rPr lang="en-US" smtClean="0"/>
-              <a:t>4/15/2013</a:t>
-            </a:fld>
-            <a:endParaRPr lang="en-US"/>
-          </a:p>
-        </p:txBody>
-      </p:sp>
-      <p:sp>
-        <p:nvSpPr>
-          <p:cNvPr id="6" name="Footer Placeholder 5"/>
-          <p:cNvSpPr>
-            <a:spLocks noGrp="1"/>
-          </p:cNvSpPr>
-          <p:nvPr>
-            <p:ph type="ftr" sz="quarter" idx="11"/>
-          </p:nvPr>
-        </p:nvSpPr>
-        <p:spPr/>
-        <p:txBody>
-          <a:bodyPr/>
-          <a:lstStyle/>
-          <a:p>
-            <a:endParaRPr lang="en-US"/>
-          </a:p>
-        </p:txBody>
-      </p:sp>
-      <p:sp>
-        <p:nvSpPr>
-          <p:cNvPr id="7" name="Slide Number Placeholder 6"/>
-          <p:cNvSpPr>
-            <a:spLocks noGrp="1"/>
-          </p:cNvSpPr>
-          <p:nvPr>
-            <p:ph type="sldNum" sz="quarter" idx="12"/>
-          </p:nvPr>
-        </p:nvSpPr>
-        <p:spPr/>
-        <p:txBody>
-          <a:bodyPr/>
-          <a:lstStyle/>
           <a:p>
             <a:fld id="{9CCF1C83-2260-4455-9A0C-D4FE5881F444}" type="slidenum">
               <a:rPr lang="en-US" smtClean="0"/>
@@ -2145,7 +3129,7 @@
     </p:spTree>
     <p:extLst>
       <p:ext uri="{BB962C8B-B14F-4D97-AF65-F5344CB8AC3E}">
-        <p14:creationId xmlns:p14="http://schemas.microsoft.com/office/powerpoint/2010/main" val="2235580955"/>
+        <p14:creationId xmlns:p14="http://schemas.microsoft.com/office/powerpoint/2010/main" val="3107062262"/>
       </p:ext>
     </p:extLst>
   </p:cSld>
@@ -2156,7 +3140,7 @@
 </file>
 
 <file path=ppt/slideLayouts/slideLayout9.xml><?xml version="1.0" encoding="utf-8"?>
-<p:sldLayout xmlns:a="http://schemas.openxmlformats.org/drawingml/2006/main" xmlns:r="http://schemas.openxmlformats.org/officeDocument/2006/relationships" xmlns:p="http://schemas.openxmlformats.org/presentationml/2006/main" type="picTx" preserve="1">
+<p:sldLayout xmlns:a="http://schemas.openxmlformats.org/drawingml/2006/main" xmlns:r="http://schemas.openxmlformats.org/officeDocument/2006/relationships" xmlns:p="http://schemas.openxmlformats.org/presentationml/2006/main" showMasterSp="0" type="picTx" preserve="1">
   <p:cSld name="Picture with Caption">
     <p:spTree>
       <p:nvGrpSpPr>
@@ -2174,25 +3158,109 @@
       </p:grpSpPr>
       <p:sp>
         <p:nvSpPr>
-          <p:cNvPr id="2" name="Title 1"/>
-          <p:cNvSpPr>
-            <a:spLocks noGrp="1"/>
-          </p:cNvSpPr>
-          <p:nvPr>
-            <p:ph type="title"/>
-          </p:nvPr>
+          <p:cNvPr id="8" name="Rectangle 7"/>
+          <p:cNvSpPr/>
+          <p:nvPr/>
         </p:nvSpPr>
         <p:spPr>
           <a:xfrm>
-            <a:off x="839788" y="457200"/>
-            <a:ext cx="3932237" cy="1600200"/>
+            <a:off x="0" y="4953000"/>
+            <a:ext cx="9141619" cy="1905000"/>
+          </a:xfrm>
+          <a:prstGeom prst="rect">
+            <a:avLst/>
+          </a:prstGeom>
+          <a:solidFill>
+            <a:schemeClr val="accent4">
+              <a:lumMod val="75000"/>
+            </a:schemeClr>
+          </a:solidFill>
+          <a:ln>
+            <a:noFill/>
+          </a:ln>
+        </p:spPr>
+        <p:style>
+          <a:lnRef idx="2">
+            <a:schemeClr val="accent1">
+              <a:shade val="50000"/>
+            </a:schemeClr>
+          </a:lnRef>
+          <a:fillRef idx="1">
+            <a:schemeClr val="accent1"/>
+          </a:fillRef>
+          <a:effectRef idx="0">
+            <a:schemeClr val="accent1"/>
+          </a:effectRef>
+          <a:fontRef idx="minor">
+            <a:schemeClr val="lt1"/>
+          </a:fontRef>
+        </p:style>
+      </p:sp>
+      <p:sp>
+        <p:nvSpPr>
+          <p:cNvPr id="9" name="Rectangle 8"/>
+          <p:cNvSpPr/>
+          <p:nvPr/>
+        </p:nvSpPr>
+        <p:spPr>
+          <a:xfrm>
+            <a:off x="12" y="4915076"/>
+            <a:ext cx="9141619" cy="64008"/>
+          </a:xfrm>
+          <a:prstGeom prst="rect">
+            <a:avLst/>
+          </a:prstGeom>
+          <a:solidFill>
+            <a:schemeClr val="accent4"/>
+          </a:solidFill>
+          <a:ln>
+            <a:noFill/>
+          </a:ln>
+        </p:spPr>
+        <p:style>
+          <a:lnRef idx="2">
+            <a:schemeClr val="accent1">
+              <a:shade val="50000"/>
+            </a:schemeClr>
+          </a:lnRef>
+          <a:fillRef idx="1">
+            <a:schemeClr val="accent1"/>
+          </a:fillRef>
+          <a:effectRef idx="0">
+            <a:schemeClr val="accent1"/>
+          </a:effectRef>
+          <a:fontRef idx="minor">
+            <a:schemeClr val="lt1"/>
+          </a:fontRef>
+        </p:style>
+      </p:sp>
+      <p:sp>
+        <p:nvSpPr>
+          <p:cNvPr id="2" name="Title 1"/>
+          <p:cNvSpPr>
+            <a:spLocks noGrp="1"/>
+          </p:cNvSpPr>
+          <p:nvPr>
+            <p:ph type="title"/>
+          </p:nvPr>
+        </p:nvSpPr>
+        <p:spPr>
+          <a:xfrm>
+            <a:off x="822960" y="5074920"/>
+            <a:ext cx="7585234" cy="822960"/>
           </a:xfrm>
         </p:spPr>
         <p:txBody>
-          <a:bodyPr anchor="b"/>
+          <a:bodyPr tIns="0" bIns="0" anchor="b">
+            <a:noAutofit/>
+          </a:bodyPr>
           <a:lstStyle>
             <a:lvl1pPr>
-              <a:defRPr sz="3200"/>
+              <a:defRPr sz="3600" b="0">
+                <a:solidFill>
+                  <a:srgbClr val="FFFFFF"/>
+                </a:solidFill>
+              </a:defRPr>
             </a:lvl1pPr>
           </a:lstStyle>
           <a:p>
@@ -2200,7 +3268,7 @@
               <a:rPr lang="en-US" smtClean="0"/>
               <a:t>Click to edit Master title style</a:t>
             </a:r>
-            <a:endParaRPr lang="en-US"/>
+            <a:endParaRPr lang="en-US" dirty="0"/>
           </a:p>
         </p:txBody>
       </p:sp>
@@ -2208,7 +3276,7 @@
         <p:nvSpPr>
           <p:cNvPr id="3" name="Picture Placeholder 2"/>
           <p:cNvSpPr>
-            <a:spLocks noGrp="1"/>
+            <a:spLocks noGrp="1" noChangeAspect="1"/>
           </p:cNvSpPr>
           <p:nvPr>
             <p:ph type="pic" idx="1"/>
@@ -2216,12 +3284,17 @@
         </p:nvSpPr>
         <p:spPr>
           <a:xfrm>
-            <a:off x="5183188" y="987425"/>
-            <a:ext cx="6172200" cy="4873625"/>
+            <a:off x="12" y="0"/>
+            <a:ext cx="9143989" cy="4915076"/>
           </a:xfrm>
+          <a:solidFill>
+            <a:schemeClr val="bg2">
+              <a:lumMod val="90000"/>
+            </a:schemeClr>
+          </a:solidFill>
         </p:spPr>
         <p:txBody>
-          <a:bodyPr/>
+          <a:bodyPr lIns="457200" tIns="457200" anchor="t"/>
           <a:lstStyle>
             <a:lvl1pPr marL="0" indent="0">
               <a:buNone/>
@@ -2261,7 +3334,11 @@
             </a:lvl9pPr>
           </a:lstStyle>
           <a:p>
-            <a:endParaRPr lang="en-US"/>
+            <a:r>
+              <a:rPr lang="en-US" smtClean="0"/>
+              <a:t>Click icon to add picture</a:t>
+            </a:r>
+            <a:endParaRPr lang="en-US" dirty="0"/>
           </a:p>
         </p:txBody>
       </p:sp>
@@ -2277,48 +3354,60 @@
         </p:nvSpPr>
         <p:spPr>
           <a:xfrm>
-            <a:off x="839788" y="2057400"/>
-            <a:ext cx="3932237" cy="3811588"/>
+            <a:off x="822960" y="5907024"/>
+            <a:ext cx="7589520" cy="594360"/>
           </a:xfrm>
         </p:spPr>
         <p:txBody>
-          <a:bodyPr/>
+          <a:bodyPr lIns="91440" tIns="0" rIns="91440" bIns="0">
+            <a:normAutofit/>
+          </a:bodyPr>
           <a:lstStyle>
             <a:lvl1pPr marL="0" indent="0">
-              <a:buNone/>
-              <a:defRPr sz="1600"/>
+              <a:spcBef>
+                <a:spcPts val="0"/>
+              </a:spcBef>
+              <a:spcAft>
+                <a:spcPts val="600"/>
+              </a:spcAft>
+              <a:buNone/>
+              <a:defRPr sz="1500">
+                <a:solidFill>
+                  <a:srgbClr val="FFFFFF"/>
+                </a:solidFill>
+              </a:defRPr>
             </a:lvl1pPr>
             <a:lvl2pPr marL="457200" indent="0">
               <a:buNone/>
-              <a:defRPr sz="1400"/>
+              <a:defRPr sz="1200"/>
             </a:lvl2pPr>
             <a:lvl3pPr marL="914400" indent="0">
               <a:buNone/>
-              <a:defRPr sz="1200"/>
+              <a:defRPr sz="1000"/>
             </a:lvl3pPr>
             <a:lvl4pPr marL="1371600" indent="0">
               <a:buNone/>
-              <a:defRPr sz="1000"/>
+              <a:defRPr sz="900"/>
             </a:lvl4pPr>
             <a:lvl5pPr marL="1828800" indent="0">
               <a:buNone/>
-              <a:defRPr sz="1000"/>
+              <a:defRPr sz="900"/>
             </a:lvl5pPr>
             <a:lvl6pPr marL="2286000" indent="0">
               <a:buNone/>
-              <a:defRPr sz="1000"/>
+              <a:defRPr sz="900"/>
             </a:lvl6pPr>
             <a:lvl7pPr marL="2743200" indent="0">
               <a:buNone/>
-              <a:defRPr sz="1000"/>
+              <a:defRPr sz="900"/>
             </a:lvl7pPr>
             <a:lvl8pPr marL="3200400" indent="0">
               <a:buNone/>
-              <a:defRPr sz="1000"/>
+              <a:defRPr sz="900"/>
             </a:lvl8pPr>
             <a:lvl9pPr marL="3657600" indent="0">
               <a:buNone/>
-              <a:defRPr sz="1000"/>
+              <a:defRPr sz="900"/>
             </a:lvl9pPr>
           </a:lstStyle>
           <a:p>
@@ -2398,7 +3487,7 @@
     </p:spTree>
     <p:extLst>
       <p:ext uri="{BB962C8B-B14F-4D97-AF65-F5344CB8AC3E}">
-        <p14:creationId xmlns:p14="http://schemas.microsoft.com/office/powerpoint/2010/main" val="1458931373"/>
+        <p14:creationId xmlns:p14="http://schemas.microsoft.com/office/powerpoint/2010/main" val="2173838400"/>
       </p:ext>
     </p:extLst>
   </p:cSld>
@@ -2413,7 +3502,7 @@
   <p:cSld>
     <p:bg>
       <p:bgRef idx="1001">
-        <a:schemeClr val="bg1"/>
+        <a:schemeClr val="bg2"/>
       </p:bgRef>
     </p:bg>
     <p:spTree>
@@ -2432,25 +3521,103 @@
       </p:grpSpPr>
       <p:sp>
         <p:nvSpPr>
-          <p:cNvPr id="2" name="Title Placeholder 1"/>
-          <p:cNvSpPr>
-            <a:spLocks noGrp="1"/>
-          </p:cNvSpPr>
-          <p:nvPr>
-            <p:ph type="title"/>
-          </p:nvPr>
+          <p:cNvPr id="7" name="Rectangle 6"/>
+          <p:cNvSpPr/>
+          <p:nvPr/>
         </p:nvSpPr>
         <p:spPr>
           <a:xfrm>
-            <a:off x="838200" y="365125"/>
-            <a:ext cx="10515600" cy="1325563"/>
+            <a:off x="0" y="6400800"/>
+            <a:ext cx="9144001" cy="457200"/>
+          </a:xfrm>
+          <a:prstGeom prst="rect">
+            <a:avLst/>
+          </a:prstGeom>
+          <a:solidFill>
+            <a:schemeClr val="accent4">
+              <a:lumMod val="75000"/>
+            </a:schemeClr>
+          </a:solidFill>
+          <a:ln>
+            <a:noFill/>
+          </a:ln>
+        </p:spPr>
+        <p:style>
+          <a:lnRef idx="2">
+            <a:schemeClr val="accent1">
+              <a:shade val="50000"/>
+            </a:schemeClr>
+          </a:lnRef>
+          <a:fillRef idx="1">
+            <a:schemeClr val="accent1"/>
+          </a:fillRef>
+          <a:effectRef idx="0">
+            <a:schemeClr val="accent1"/>
+          </a:effectRef>
+          <a:fontRef idx="minor">
+            <a:schemeClr val="lt1"/>
+          </a:fontRef>
+        </p:style>
+      </p:sp>
+      <p:sp>
+        <p:nvSpPr>
+          <p:cNvPr id="9" name="Rectangle 8"/>
+          <p:cNvSpPr/>
+          <p:nvPr/>
+        </p:nvSpPr>
+        <p:spPr>
+          <a:xfrm>
+            <a:off x="0" y="6334315"/>
+            <a:ext cx="9144001" cy="65999"/>
+          </a:xfrm>
+          <a:prstGeom prst="rect">
+            <a:avLst/>
+          </a:prstGeom>
+          <a:solidFill>
+            <a:schemeClr val="accent4"/>
+          </a:solidFill>
+          <a:ln>
+            <a:noFill/>
+          </a:ln>
+        </p:spPr>
+        <p:style>
+          <a:lnRef idx="2">
+            <a:schemeClr val="accent1">
+              <a:shade val="50000"/>
+            </a:schemeClr>
+          </a:lnRef>
+          <a:fillRef idx="1">
+            <a:schemeClr val="accent1"/>
+          </a:fillRef>
+          <a:effectRef idx="0">
+            <a:schemeClr val="accent1"/>
+          </a:effectRef>
+          <a:fontRef idx="minor">
+            <a:schemeClr val="lt1"/>
+          </a:fontRef>
+        </p:style>
+      </p:sp>
+      <p:sp>
+        <p:nvSpPr>
+          <p:cNvPr id="2" name="Title Placeholder 1"/>
+          <p:cNvSpPr>
+            <a:spLocks noGrp="1"/>
+          </p:cNvSpPr>
+          <p:nvPr>
+            <p:ph type="title"/>
+          </p:nvPr>
+        </p:nvSpPr>
+        <p:spPr>
+          <a:xfrm>
+            <a:off x="822960" y="286604"/>
+            <a:ext cx="7543800" cy="1450757"/>
           </a:xfrm>
           <a:prstGeom prst="rect">
             <a:avLst/>
           </a:prstGeom>
         </p:spPr>
         <p:txBody>
-          <a:bodyPr vert="horz" lIns="91440" tIns="45720" rIns="91440" bIns="45720" rtlCol="0" anchor="ctr">
+          <a:bodyPr vert="horz" lIns="91440" tIns="45720" rIns="91440" bIns="45720" rtlCol="0" anchor="b">
             <a:normAutofit/>
           </a:bodyPr>
           <a:lstStyle/>
@@ -2459,7 +3626,7 @@
               <a:rPr lang="en-US" smtClean="0"/>
               <a:t>Click to edit Master title style</a:t>
             </a:r>
-            <a:endParaRPr lang="en-US"/>
+            <a:endParaRPr lang="en-US" dirty="0"/>
           </a:p>
         </p:txBody>
       </p:sp>
@@ -2475,15 +3642,15 @@
         </p:nvSpPr>
         <p:spPr>
           <a:xfrm>
-            <a:off x="838200" y="1825625"/>
-            <a:ext cx="10515600" cy="4351338"/>
+            <a:off x="822959" y="1845734"/>
+            <a:ext cx="7543801" cy="4023360"/>
           </a:xfrm>
           <a:prstGeom prst="rect">
             <a:avLst/>
           </a:prstGeom>
         </p:spPr>
         <p:txBody>
-          <a:bodyPr vert="horz" lIns="91440" tIns="45720" rIns="91440" bIns="45720" rtlCol="0">
+          <a:bodyPr vert="horz" lIns="0" tIns="45720" rIns="0" bIns="45720" rtlCol="0">
             <a:normAutofit/>
           </a:bodyPr>
           <a:lstStyle/>
@@ -2521,7 +3688,7 @@
               <a:rPr lang="en-US" smtClean="0"/>
               <a:t>Fifth level</a:t>
             </a:r>
-            <a:endParaRPr lang="en-US"/>
+            <a:endParaRPr lang="en-US" dirty="0"/>
           </a:p>
         </p:txBody>
       </p:sp>
@@ -2537,8 +3704,8 @@
         </p:nvSpPr>
         <p:spPr>
           <a:xfrm>
-            <a:off x="838200" y="6356350"/>
-            <a:ext cx="2743200" cy="365125"/>
+            <a:off x="822961" y="6459786"/>
+            <a:ext cx="1854203" cy="365125"/>
           </a:xfrm>
           <a:prstGeom prst="rect">
             <a:avLst/>
@@ -2548,11 +3715,9 @@
           <a:bodyPr vert="horz" lIns="91440" tIns="45720" rIns="91440" bIns="45720" rtlCol="0" anchor="ctr"/>
           <a:lstStyle>
             <a:lvl1pPr algn="l">
-              <a:defRPr sz="1200">
+              <a:defRPr sz="900">
                 <a:solidFill>
-                  <a:schemeClr val="tx1">
-                    <a:tint val="75000"/>
-                  </a:schemeClr>
+                  <a:srgbClr val="FFFFFF"/>
                 </a:solidFill>
               </a:defRPr>
             </a:lvl1pPr>
@@ -2578,8 +3743,8 @@
         </p:nvSpPr>
         <p:spPr>
           <a:xfrm>
-            <a:off x="4038600" y="6356350"/>
-            <a:ext cx="4114800" cy="365125"/>
+            <a:off x="2764639" y="6459786"/>
+            <a:ext cx="3617103" cy="365125"/>
           </a:xfrm>
           <a:prstGeom prst="rect">
             <a:avLst/>
@@ -2589,11 +3754,9 @@
           <a:bodyPr vert="horz" lIns="91440" tIns="45720" rIns="91440" bIns="45720" rtlCol="0" anchor="ctr"/>
           <a:lstStyle>
             <a:lvl1pPr algn="ctr">
-              <a:defRPr sz="1200">
+              <a:defRPr sz="900" cap="all" baseline="0">
                 <a:solidFill>
-                  <a:schemeClr val="tx1">
-                    <a:tint val="75000"/>
-                  </a:schemeClr>
+                  <a:srgbClr val="FFFFFF"/>
                 </a:solidFill>
               </a:defRPr>
             </a:lvl1pPr>
@@ -2615,8 +3778,8 @@
         </p:nvSpPr>
         <p:spPr>
           <a:xfrm>
-            <a:off x="8610600" y="6356350"/>
-            <a:ext cx="2743200" cy="365125"/>
+            <a:off x="7425344" y="6459786"/>
+            <a:ext cx="984019" cy="365125"/>
           </a:xfrm>
           <a:prstGeom prst="rect">
             <a:avLst/>
@@ -2626,11 +3789,9 @@
           <a:bodyPr vert="horz" lIns="91440" tIns="45720" rIns="91440" bIns="45720" rtlCol="0" anchor="ctr"/>
           <a:lstStyle>
             <a:lvl1pPr algn="r">
-              <a:defRPr sz="1200">
+              <a:defRPr sz="1050">
                 <a:solidFill>
-                  <a:schemeClr val="tx1">
-                    <a:tint val="75000"/>
-                  </a:schemeClr>
+                  <a:srgbClr val="FFFFFF"/>
                 </a:solidFill>
               </a:defRPr>
             </a:lvl1pPr>
@@ -2644,40 +3805,81 @@
           </a:p>
         </p:txBody>
       </p:sp>
+      <p:cxnSp>
+        <p:nvCxnSpPr>
+          <p:cNvPr id="10" name="Straight Connector 9"/>
+          <p:cNvCxnSpPr/>
+          <p:nvPr/>
+        </p:nvCxnSpPr>
+        <p:spPr>
+          <a:xfrm>
+            <a:off x="895149" y="1737845"/>
+            <a:ext cx="7475220" cy="0"/>
+          </a:xfrm>
+          <a:prstGeom prst="line">
+            <a:avLst/>
+          </a:prstGeom>
+          <a:ln w="6350">
+            <a:solidFill>
+              <a:schemeClr val="tx1">
+                <a:lumMod val="50000"/>
+                <a:lumOff val="50000"/>
+              </a:schemeClr>
+            </a:solidFill>
+          </a:ln>
+        </p:spPr>
+        <p:style>
+          <a:lnRef idx="1">
+            <a:schemeClr val="accent1"/>
+          </a:lnRef>
+          <a:fillRef idx="0">
+            <a:schemeClr val="accent1"/>
+          </a:fillRef>
+          <a:effectRef idx="0">
+            <a:schemeClr val="accent1"/>
+          </a:effectRef>
+          <a:fontRef idx="minor">
+            <a:schemeClr val="tx1"/>
+          </a:fontRef>
+        </p:style>
+      </p:cxnSp>
     </p:spTree>
     <p:extLst>
       <p:ext uri="{BB962C8B-B14F-4D97-AF65-F5344CB8AC3E}">
-        <p14:creationId xmlns:p14="http://schemas.microsoft.com/office/powerpoint/2010/main" val="2947359000"/>
+        <p14:creationId xmlns:p14="http://schemas.microsoft.com/office/powerpoint/2010/main" val="895310542"/>
       </p:ext>
     </p:extLst>
   </p:cSld>
   <p:clrMap bg1="lt1" tx1="dk1" bg2="lt2" tx2="dk2" accent1="accent1" accent2="accent2" accent3="accent3" accent4="accent4" accent5="accent5" accent6="accent6" hlink="hlink" folHlink="folHlink"/>
   <p:sldLayoutIdLst>
-    <p:sldLayoutId id="2147483649" r:id="rId1"/>
-    <p:sldLayoutId id="2147483650" r:id="rId2"/>
-    <p:sldLayoutId id="2147483651" r:id="rId3"/>
-    <p:sldLayoutId id="2147483652" r:id="rId4"/>
-    <p:sldLayoutId id="2147483653" r:id="rId5"/>
-    <p:sldLayoutId id="2147483654" r:id="rId6"/>
-    <p:sldLayoutId id="2147483655" r:id="rId7"/>
-    <p:sldLayoutId id="2147483656" r:id="rId8"/>
-    <p:sldLayoutId id="2147483657" r:id="rId9"/>
-    <p:sldLayoutId id="2147483658" r:id="rId10"/>
-    <p:sldLayoutId id="2147483659" r:id="rId11"/>
+    <p:sldLayoutId id="2147483749" r:id="rId1"/>
+    <p:sldLayoutId id="2147483750" r:id="rId2"/>
+    <p:sldLayoutId id="2147483751" r:id="rId3"/>
+    <p:sldLayoutId id="2147483752" r:id="rId4"/>
+    <p:sldLayoutId id="2147483753" r:id="rId5"/>
+    <p:sldLayoutId id="2147483754" r:id="rId6"/>
+    <p:sldLayoutId id="2147483755" r:id="rId7"/>
+    <p:sldLayoutId id="2147483756" r:id="rId8"/>
+    <p:sldLayoutId id="2147483757" r:id="rId9"/>
+    <p:sldLayoutId id="2147483758" r:id="rId10"/>
+    <p:sldLayoutId id="2147483759" r:id="rId11"/>
   </p:sldLayoutIdLst>
   <p:txStyles>
     <p:titleStyle>
       <a:lvl1pPr algn="l" defTabSz="914400" rtl="0" eaLnBrk="1" latinLnBrk="0" hangingPunct="1">
         <a:lnSpc>
-          <a:spcPct val="90000"/>
+          <a:spcPct val="85000"/>
         </a:lnSpc>
         <a:spcBef>
           <a:spcPct val="0"/>
         </a:spcBef>
         <a:buNone/>
-        <a:defRPr sz="4400" kern="1200">
+        <a:defRPr sz="4800" kern="1200" spc="-50" baseline="0">
           <a:solidFill>
-            <a:schemeClr val="tx1"/>
+            <a:schemeClr val="tx1">
+              <a:lumMod val="75000"/>
+              <a:lumOff val="25000"/>
+            </a:schemeClr>
           </a:solidFill>
           <a:latin typeface="+mj-lt"/>
           <a:ea typeface="+mj-ea"/>
@@ -2686,162 +3888,244 @@
       </a:lvl1pPr>
     </p:titleStyle>
     <p:bodyStyle>
-      <a:lvl1pPr marL="228600" indent="-228600" algn="l" defTabSz="914400" rtl="0" eaLnBrk="1" latinLnBrk="0" hangingPunct="1">
+      <a:lvl1pPr marL="91440" indent="-91440" algn="l" defTabSz="914400" rtl="0" eaLnBrk="1" latinLnBrk="0" hangingPunct="1">
         <a:lnSpc>
           <a:spcPct val="90000"/>
         </a:lnSpc>
         <a:spcBef>
-          <a:spcPts val="1000"/>
+          <a:spcPts val="1200"/>
         </a:spcBef>
-        <a:buFont typeface="Arial" panose="020B0604020202020204" pitchFamily="34" charset="0"/>
-        <a:buChar char="•"/>
-        <a:defRPr sz="2800" kern="1200">
+        <a:spcAft>
+          <a:spcPts val="200"/>
+        </a:spcAft>
+        <a:buClr>
+          <a:schemeClr val="accent1"/>
+        </a:buClr>
+        <a:buSzPct val="100000"/>
+        <a:buFont typeface="Calibri" panose="020F0502020204030204" pitchFamily="34" charset="0"/>
+        <a:buChar char=" "/>
+        <a:defRPr sz="2000" kern="1200">
           <a:solidFill>
-            <a:schemeClr val="tx1"/>
+            <a:schemeClr val="tx1">
+              <a:lumMod val="75000"/>
+              <a:lumOff val="25000"/>
+            </a:schemeClr>
           </a:solidFill>
           <a:latin typeface="+mn-lt"/>
           <a:ea typeface="+mn-ea"/>
           <a:cs typeface="+mn-cs"/>
         </a:defRPr>
       </a:lvl1pPr>
-      <a:lvl2pPr marL="685800" indent="-228600" algn="l" defTabSz="914400" rtl="0" eaLnBrk="1" latinLnBrk="0" hangingPunct="1">
+      <a:lvl2pPr marL="384048" indent="-182880" algn="l" defTabSz="914400" rtl="0" eaLnBrk="1" latinLnBrk="0" hangingPunct="1">
         <a:lnSpc>
           <a:spcPct val="90000"/>
         </a:lnSpc>
         <a:spcBef>
-          <a:spcPts val="500"/>
+          <a:spcPts val="200"/>
         </a:spcBef>
-        <a:buFont typeface="Arial" panose="020B0604020202020204" pitchFamily="34" charset="0"/>
-        <a:buChar char="•"/>
-        <a:defRPr sz="2400" kern="1200">
+        <a:spcAft>
+          <a:spcPts val="400"/>
+        </a:spcAft>
+        <a:buClr>
+          <a:schemeClr val="accent1"/>
+        </a:buClr>
+        <a:buFont typeface="Calibri" pitchFamily="34" charset="0"/>
+        <a:buChar char="◦"/>
+        <a:defRPr sz="1800" kern="1200">
           <a:solidFill>
-            <a:schemeClr val="tx1"/>
+            <a:schemeClr val="tx1">
+              <a:lumMod val="75000"/>
+              <a:lumOff val="25000"/>
+            </a:schemeClr>
           </a:solidFill>
           <a:latin typeface="+mn-lt"/>
           <a:ea typeface="+mn-ea"/>
           <a:cs typeface="+mn-cs"/>
         </a:defRPr>
       </a:lvl2pPr>
-      <a:lvl3pPr marL="1143000" indent="-228600" algn="l" defTabSz="914400" rtl="0" eaLnBrk="1" latinLnBrk="0" hangingPunct="1">
+      <a:lvl3pPr marL="566928" indent="-182880" algn="l" defTabSz="914400" rtl="0" eaLnBrk="1" latinLnBrk="0" hangingPunct="1">
         <a:lnSpc>
           <a:spcPct val="90000"/>
         </a:lnSpc>
         <a:spcBef>
-          <a:spcPts val="500"/>
+          <a:spcPts val="200"/>
         </a:spcBef>
-        <a:buFont typeface="Arial" panose="020B0604020202020204" pitchFamily="34" charset="0"/>
-        <a:buChar char="•"/>
-        <a:defRPr sz="2000" kern="1200">
+        <a:spcAft>
+          <a:spcPts val="400"/>
+        </a:spcAft>
+        <a:buClr>
+          <a:schemeClr val="accent1"/>
+        </a:buClr>
+        <a:buFont typeface="Calibri" pitchFamily="34" charset="0"/>
+        <a:buChar char="◦"/>
+        <a:defRPr sz="1400" kern="1200">
           <a:solidFill>
-            <a:schemeClr val="tx1"/>
+            <a:schemeClr val="tx1">
+              <a:lumMod val="75000"/>
+              <a:lumOff val="25000"/>
+            </a:schemeClr>
           </a:solidFill>
           <a:latin typeface="+mn-lt"/>
           <a:ea typeface="+mn-ea"/>
           <a:cs typeface="+mn-cs"/>
         </a:defRPr>
       </a:lvl3pPr>
-      <a:lvl4pPr marL="1600200" indent="-228600" algn="l" defTabSz="914400" rtl="0" eaLnBrk="1" latinLnBrk="0" hangingPunct="1">
+      <a:lvl4pPr marL="749808" indent="-182880" algn="l" defTabSz="914400" rtl="0" eaLnBrk="1" latinLnBrk="0" hangingPunct="1">
         <a:lnSpc>
           <a:spcPct val="90000"/>
         </a:lnSpc>
         <a:spcBef>
-          <a:spcPts val="500"/>
+          <a:spcPts val="200"/>
         </a:spcBef>
-        <a:buFont typeface="Arial" panose="020B0604020202020204" pitchFamily="34" charset="0"/>
-        <a:buChar char="•"/>
-        <a:defRPr sz="1800" kern="1200">
+        <a:spcAft>
+          <a:spcPts val="400"/>
+        </a:spcAft>
+        <a:buClr>
+          <a:schemeClr val="accent1"/>
+        </a:buClr>
+        <a:buFont typeface="Calibri" pitchFamily="34" charset="0"/>
+        <a:buChar char="◦"/>
+        <a:defRPr sz="1400" kern="1200">
           <a:solidFill>
-            <a:schemeClr val="tx1"/>
+            <a:schemeClr val="tx1">
+              <a:lumMod val="75000"/>
+              <a:lumOff val="25000"/>
+            </a:schemeClr>
           </a:solidFill>
           <a:latin typeface="+mn-lt"/>
           <a:ea typeface="+mn-ea"/>
           <a:cs typeface="+mn-cs"/>
         </a:defRPr>
       </a:lvl4pPr>
-      <a:lvl5pPr marL="2057400" indent="-228600" algn="l" defTabSz="914400" rtl="0" eaLnBrk="1" latinLnBrk="0" hangingPunct="1">
+      <a:lvl5pPr marL="932688" indent="-182880" algn="l" defTabSz="914400" rtl="0" eaLnBrk="1" latinLnBrk="0" hangingPunct="1">
         <a:lnSpc>
           <a:spcPct val="90000"/>
         </a:lnSpc>
         <a:spcBef>
-          <a:spcPts val="500"/>
+          <a:spcPts val="200"/>
         </a:spcBef>
-        <a:buFont typeface="Arial" panose="020B0604020202020204" pitchFamily="34" charset="0"/>
-        <a:buChar char="•"/>
-        <a:defRPr sz="1800" kern="1200">
+        <a:spcAft>
+          <a:spcPts val="400"/>
+        </a:spcAft>
+        <a:buClr>
+          <a:schemeClr val="accent1"/>
+        </a:buClr>
+        <a:buFont typeface="Calibri" pitchFamily="34" charset="0"/>
+        <a:buChar char="◦"/>
+        <a:defRPr sz="1400" kern="1200">
           <a:solidFill>
-            <a:schemeClr val="tx1"/>
+            <a:schemeClr val="tx1">
+              <a:lumMod val="75000"/>
+              <a:lumOff val="25000"/>
+            </a:schemeClr>
           </a:solidFill>
           <a:latin typeface="+mn-lt"/>
           <a:ea typeface="+mn-ea"/>
           <a:cs typeface="+mn-cs"/>
         </a:defRPr>
       </a:lvl5pPr>
-      <a:lvl6pPr marL="2514600" indent="-228600" algn="l" defTabSz="914400" rtl="0" eaLnBrk="1" latinLnBrk="0" hangingPunct="1">
+      <a:lvl6pPr marL="1100000" indent="-228600" algn="l" defTabSz="914400" rtl="0" eaLnBrk="1" latinLnBrk="0" hangingPunct="1">
         <a:lnSpc>
           <a:spcPct val="90000"/>
         </a:lnSpc>
         <a:spcBef>
-          <a:spcPts val="500"/>
+          <a:spcPts val="200"/>
         </a:spcBef>
-        <a:buFont typeface="Arial" panose="020B0604020202020204" pitchFamily="34" charset="0"/>
-        <a:buChar char="•"/>
-        <a:defRPr sz="1800" kern="1200">
+        <a:spcAft>
+          <a:spcPts val="400"/>
+        </a:spcAft>
+        <a:buClr>
+          <a:schemeClr val="accent1"/>
+        </a:buClr>
+        <a:buFont typeface="Calibri" pitchFamily="34" charset="0"/>
+        <a:buChar char="◦"/>
+        <a:defRPr sz="1400" kern="1200">
           <a:solidFill>
-            <a:schemeClr val="tx1"/>
+            <a:schemeClr val="tx1">
+              <a:lumMod val="75000"/>
+              <a:lumOff val="25000"/>
+            </a:schemeClr>
           </a:solidFill>
           <a:latin typeface="+mn-lt"/>
           <a:ea typeface="+mn-ea"/>
           <a:cs typeface="+mn-cs"/>
         </a:defRPr>
       </a:lvl6pPr>
-      <a:lvl7pPr marL="2971800" indent="-228600" algn="l" defTabSz="914400" rtl="0" eaLnBrk="1" latinLnBrk="0" hangingPunct="1">
+      <a:lvl7pPr marL="1300000" indent="-228600" algn="l" defTabSz="914400" rtl="0" eaLnBrk="1" latinLnBrk="0" hangingPunct="1">
         <a:lnSpc>
           <a:spcPct val="90000"/>
         </a:lnSpc>
         <a:spcBef>
-          <a:spcPts val="500"/>
+          <a:spcPts val="200"/>
         </a:spcBef>
-        <a:buFont typeface="Arial" panose="020B0604020202020204" pitchFamily="34" charset="0"/>
-        <a:buChar char="•"/>
-        <a:defRPr sz="1800" kern="1200">
+        <a:spcAft>
+          <a:spcPts val="400"/>
+        </a:spcAft>
+        <a:buClr>
+          <a:schemeClr val="accent1"/>
+        </a:buClr>
+        <a:buFont typeface="Calibri" pitchFamily="34" charset="0"/>
+        <a:buChar char="◦"/>
+        <a:defRPr sz="1400" kern="1200">
           <a:solidFill>
-            <a:schemeClr val="tx1"/>
+            <a:schemeClr val="tx1">
+              <a:lumMod val="75000"/>
+              <a:lumOff val="25000"/>
+            </a:schemeClr>
           </a:solidFill>
           <a:latin typeface="+mn-lt"/>
           <a:ea typeface="+mn-ea"/>
           <a:cs typeface="+mn-cs"/>
         </a:defRPr>
       </a:lvl7pPr>
-      <a:lvl8pPr marL="3429000" indent="-228600" algn="l" defTabSz="914400" rtl="0" eaLnBrk="1" latinLnBrk="0" hangingPunct="1">
+      <a:lvl8pPr marL="1500000" indent="-228600" algn="l" defTabSz="914400" rtl="0" eaLnBrk="1" latinLnBrk="0" hangingPunct="1">
         <a:lnSpc>
           <a:spcPct val="90000"/>
         </a:lnSpc>
         <a:spcBef>
-          <a:spcPts val="500"/>
+          <a:spcPts val="200"/>
         </a:spcBef>
-        <a:buFont typeface="Arial" panose="020B0604020202020204" pitchFamily="34" charset="0"/>
-        <a:buChar char="•"/>
-        <a:defRPr sz="1800" kern="1200">
+        <a:spcAft>
+          <a:spcPts val="400"/>
+        </a:spcAft>
+        <a:buClr>
+          <a:schemeClr val="accent1"/>
+        </a:buClr>
+        <a:buFont typeface="Calibri" pitchFamily="34" charset="0"/>
+        <a:buChar char="◦"/>
+        <a:defRPr sz="1400" kern="1200">
           <a:solidFill>
-            <a:schemeClr val="tx1"/>
+            <a:schemeClr val="tx1">
+              <a:lumMod val="75000"/>
+              <a:lumOff val="25000"/>
+            </a:schemeClr>
           </a:solidFill>
           <a:latin typeface="+mn-lt"/>
           <a:ea typeface="+mn-ea"/>
           <a:cs typeface="+mn-cs"/>
         </a:defRPr>
       </a:lvl8pPr>
-      <a:lvl9pPr marL="3886200" indent="-228600" algn="l" defTabSz="914400" rtl="0" eaLnBrk="1" latinLnBrk="0" hangingPunct="1">
+      <a:lvl9pPr marL="1700000" indent="-228600" algn="l" defTabSz="914400" rtl="0" eaLnBrk="1" latinLnBrk="0" hangingPunct="1">
         <a:lnSpc>
           <a:spcPct val="90000"/>
         </a:lnSpc>
         <a:spcBef>
-          <a:spcPts val="500"/>
+          <a:spcPts val="200"/>
         </a:spcBef>
-        <a:buFont typeface="Arial" panose="020B0604020202020204" pitchFamily="34" charset="0"/>
-        <a:buChar char="•"/>
-        <a:defRPr sz="1800" kern="1200">
+        <a:spcAft>
+          <a:spcPts val="400"/>
+        </a:spcAft>
+        <a:buClr>
+          <a:schemeClr val="accent1"/>
+        </a:buClr>
+        <a:buFont typeface="Calibri" pitchFamily="34" charset="0"/>
+        <a:buChar char="◦"/>
+        <a:defRPr sz="1400" kern="1200">
           <a:solidFill>
-            <a:schemeClr val="tx1"/>
+            <a:schemeClr val="tx1">
+              <a:lumMod val="75000"/>
+              <a:lumOff val="25000"/>
+            </a:schemeClr>
           </a:solidFill>
           <a:latin typeface="+mn-lt"/>
           <a:ea typeface="+mn-ea"/>
@@ -2975,11 +4259,19 @@
             <p:ph type="ctrTitle"/>
           </p:nvPr>
         </p:nvSpPr>
-        <p:spPr/>
-        <p:txBody>
-          <a:bodyPr/>
-          <a:lstStyle/>
-          <a:p>
+        <p:spPr>
+          <a:xfrm>
+            <a:off x="1143000" y="1699022"/>
+            <a:ext cx="6858000" cy="1161689"/>
+          </a:xfrm>
+        </p:spPr>
+        <p:txBody>
+          <a:bodyPr>
+            <a:normAutofit fontScale="90000"/>
+          </a:bodyPr>
+          <a:lstStyle/>
+          <a:p>
+            <a:pPr algn="ctr"/>
             <a:r>
               <a:rPr lang="en-US" dirty="0" smtClean="0"/>
               <a:t>Visual Dictionary</a:t>
@@ -2998,43 +4290,82 @@
             <p:ph type="subTitle" idx="1"/>
           </p:nvPr>
         </p:nvSpPr>
-        <p:spPr/>
-        <p:txBody>
-          <a:bodyPr/>
-          <a:lstStyle/>
-          <a:p>
-            <a:r>
-              <a:rPr lang="en-US" dirty="0" smtClean="0"/>
+        <p:spPr>
+          <a:xfrm>
+            <a:off x="1143000" y="4546382"/>
+            <a:ext cx="6858000" cy="778201"/>
+          </a:xfrm>
+        </p:spPr>
+        <p:txBody>
+          <a:bodyPr>
+            <a:normAutofit fontScale="85000" lnSpcReduction="10000"/>
+          </a:bodyPr>
+          <a:lstStyle/>
+          <a:p>
+            <a:pPr algn="ctr"/>
+            <a:r>
+              <a:rPr lang="en-US" cap="none" dirty="0" smtClean="0"/>
               <a:t>Omar </a:t>
             </a:r>
             <a:r>
-              <a:rPr lang="en-US" dirty="0" err="1" smtClean="0"/>
+              <a:rPr lang="en-US" cap="none" dirty="0" err="1" smtClean="0"/>
               <a:t>Khazamov</a:t>
             </a:r>
             <a:r>
-              <a:rPr lang="en-US" dirty="0" smtClean="0"/>
+              <a:rPr lang="en-US" cap="none" dirty="0" smtClean="0"/>
               <a:t>, Remy Oukaour, </a:t>
             </a:r>
             <a:r>
-              <a:rPr lang="en-US" dirty="0" err="1" smtClean="0"/>
+              <a:rPr lang="en-US" cap="none" dirty="0" err="1" smtClean="0"/>
               <a:t>Ganesa</a:t>
             </a:r>
             <a:r>
-              <a:rPr lang="en-US" dirty="0" smtClean="0"/>
+              <a:rPr lang="en-US" cap="none" dirty="0" smtClean="0"/>
               <a:t> </a:t>
             </a:r>
             <a:r>
-              <a:rPr lang="en-US" dirty="0" err="1" smtClean="0"/>
+              <a:rPr lang="en-US" cap="none" dirty="0" err="1" smtClean="0"/>
               <a:t>Thandavam</a:t>
             </a:r>
-            <a:endParaRPr lang="en-US" dirty="0" smtClean="0"/>
-          </a:p>
-          <a:p>
-            <a:r>
-              <a:rPr lang="en-US" dirty="0" smtClean="0"/>
+            <a:endParaRPr lang="en-US" cap="none" dirty="0" smtClean="0"/>
+          </a:p>
+          <a:p>
+            <a:pPr algn="ctr"/>
+            <a:r>
+              <a:rPr lang="en-US" cap="none" dirty="0" smtClean="0"/>
               <a:t>CSE 507</a:t>
             </a:r>
-            <a:endParaRPr lang="en-US" dirty="0"/>
+            <a:endParaRPr lang="en-US" cap="none" dirty="0"/>
+          </a:p>
+        </p:txBody>
+      </p:sp>
+      <p:sp>
+        <p:nvSpPr>
+          <p:cNvPr id="4" name="TextBox 3"/>
+          <p:cNvSpPr txBox="1"/>
+          <p:nvPr/>
+        </p:nvSpPr>
+        <p:spPr>
+          <a:xfrm>
+            <a:off x="2506850" y="2999412"/>
+            <a:ext cx="4130298" cy="461665"/>
+          </a:xfrm>
+          <a:prstGeom prst="rect">
+            <a:avLst/>
+          </a:prstGeom>
+          <a:noFill/>
+        </p:spPr>
+        <p:txBody>
+          <a:bodyPr wrap="none" rtlCol="0">
+            <a:spAutoFit/>
+          </a:bodyPr>
+          <a:lstStyle/>
+          <a:p>
+            <a:pPr algn="ctr"/>
+            <a:r>
+              <a:rPr lang="en-US" sz="2400" dirty="0"/>
+              <a:t>Using Explicit Semantic Analysis</a:t>
+            </a:r>
           </a:p>
         </p:txBody>
       </p:sp>
@@ -3048,6 +4379,13 @@
   <p:clrMapOvr>
     <a:masterClrMapping/>
   </p:clrMapOvr>
+  <p:timing>
+    <p:tnLst>
+      <p:par>
+        <p:cTn id="1" dur="indefinite" restart="never" nodeType="tmRoot"/>
+      </p:par>
+    </p:tnLst>
+  </p:timing>
 </p:sld>
 </file>
 
@@ -3083,7 +4421,11 @@
           <a:bodyPr/>
           <a:lstStyle/>
           <a:p>
-            <a:endParaRPr lang="en-US"/>
+            <a:r>
+              <a:rPr lang="en-US" dirty="0" smtClean="0"/>
+              <a:t>Existing Tools</a:t>
+            </a:r>
+            <a:endParaRPr lang="en-US" dirty="0"/>
           </a:p>
         </p:txBody>
       </p:sp>
@@ -3102,24 +4444,1161 @@
           <a:bodyPr/>
           <a:lstStyle/>
           <a:p>
-            <a:endParaRPr lang="en-US"/>
+            <a:pPr>
+              <a:buClrTx/>
+              <a:buFont typeface="Wingdings" panose="05000000000000000000" pitchFamily="2" charset="2"/>
+              <a:buChar char="§"/>
+            </a:pPr>
+            <a:r>
+              <a:rPr lang="en-US" sz="2400" dirty="0"/>
+              <a:t> </a:t>
+            </a:r>
+            <a:r>
+              <a:rPr lang="en-US" sz="2400" dirty="0" err="1" smtClean="0"/>
+              <a:t>Visuwords</a:t>
+            </a:r>
+            <a:r>
+              <a:rPr lang="en-US" sz="2400" dirty="0" smtClean="0"/>
+              <a:t> &lt;visuwords.com&gt;: Displays </a:t>
+            </a:r>
+            <a:r>
+              <a:rPr lang="en-US" sz="2400" dirty="0" err="1" smtClean="0"/>
+              <a:t>WordNet</a:t>
+            </a:r>
+            <a:r>
+              <a:rPr lang="en-US" sz="2400" dirty="0" smtClean="0"/>
+              <a:t> relations to </a:t>
+            </a:r>
+            <a:r>
+              <a:rPr lang="en-US" sz="2400" dirty="0" err="1" smtClean="0"/>
+              <a:t>synsets</a:t>
+            </a:r>
+            <a:r>
+              <a:rPr lang="en-US" sz="2400" dirty="0" smtClean="0"/>
+              <a:t> of a given word</a:t>
+            </a:r>
+          </a:p>
+          <a:p>
+            <a:pPr>
+              <a:buClrTx/>
+              <a:buFont typeface="Wingdings" panose="05000000000000000000" pitchFamily="2" charset="2"/>
+              <a:buChar char="§"/>
+            </a:pPr>
+            <a:r>
+              <a:rPr lang="en-US" sz="2400" dirty="0"/>
+              <a:t> </a:t>
+            </a:r>
+            <a:r>
+              <a:rPr lang="en-US" sz="2400" dirty="0" smtClean="0"/>
+              <a:t>Visual Thesaurus &lt;visualthesaurus.com&gt;: Only displays </a:t>
+            </a:r>
+            <a:r>
+              <a:rPr lang="en-US" sz="2400" dirty="0" err="1" smtClean="0"/>
+              <a:t>WordNet</a:t>
+            </a:r>
+            <a:r>
+              <a:rPr lang="en-US" sz="2400" dirty="0" smtClean="0"/>
+              <a:t> </a:t>
+            </a:r>
+            <a:r>
+              <a:rPr lang="en-US" sz="2400" dirty="0" err="1" smtClean="0"/>
+              <a:t>synsets</a:t>
+            </a:r>
+            <a:r>
+              <a:rPr lang="en-US" sz="2400" dirty="0" smtClean="0"/>
+              <a:t> of a given word</a:t>
+            </a:r>
+            <a:endParaRPr lang="en-US" sz="2400" dirty="0"/>
+          </a:p>
+        </p:txBody>
+      </p:sp>
+      <p:pic>
+        <p:nvPicPr>
+          <p:cNvPr id="4" name="Picture 3"/>
+          <p:cNvPicPr>
+            <a:picLocks noChangeAspect="1"/>
+          </p:cNvPicPr>
+          <p:nvPr/>
+        </p:nvPicPr>
+        <p:blipFill>
+          <a:blip r:embed="rId3"/>
+          <a:stretch>
+            <a:fillRect/>
+          </a:stretch>
+        </p:blipFill>
+        <p:spPr>
+          <a:xfrm>
+            <a:off x="1518303" y="3542937"/>
+            <a:ext cx="1989590" cy="1959445"/>
+          </a:xfrm>
+          <a:prstGeom prst="rect">
+            <a:avLst/>
+          </a:prstGeom>
+        </p:spPr>
+      </p:pic>
+      <p:pic>
+        <p:nvPicPr>
+          <p:cNvPr id="5" name="Picture 4"/>
+          <p:cNvPicPr>
+            <a:picLocks noChangeAspect="1"/>
+          </p:cNvPicPr>
+          <p:nvPr/>
+        </p:nvPicPr>
+        <p:blipFill>
+          <a:blip r:embed="rId4"/>
+          <a:stretch>
+            <a:fillRect/>
+          </a:stretch>
+        </p:blipFill>
+        <p:spPr>
+          <a:xfrm>
+            <a:off x="5176495" y="3995051"/>
+            <a:ext cx="1778794" cy="1507331"/>
+          </a:xfrm>
+          <a:prstGeom prst="rect">
+            <a:avLst/>
+          </a:prstGeom>
+        </p:spPr>
+      </p:pic>
+      <p:sp>
+        <p:nvSpPr>
+          <p:cNvPr id="6" name="TextBox 5"/>
+          <p:cNvSpPr txBox="1"/>
+          <p:nvPr/>
+        </p:nvSpPr>
+        <p:spPr>
+          <a:xfrm>
+            <a:off x="1091972" y="5556569"/>
+            <a:ext cx="2842253" cy="338554"/>
+          </a:xfrm>
+          <a:prstGeom prst="rect">
+            <a:avLst/>
+          </a:prstGeom>
+          <a:noFill/>
+        </p:spPr>
+        <p:txBody>
+          <a:bodyPr wrap="none" rtlCol="0">
+            <a:spAutoFit/>
+          </a:bodyPr>
+          <a:lstStyle/>
+          <a:p>
+            <a:r>
+              <a:rPr lang="en-US" sz="1600" dirty="0" err="1"/>
+              <a:t>Visuwords</a:t>
+            </a:r>
+            <a:r>
+              <a:rPr lang="en-US" sz="1600" dirty="0"/>
+              <a:t>’ output for “daffodil”</a:t>
+            </a:r>
+          </a:p>
+        </p:txBody>
+      </p:sp>
+      <p:sp>
+        <p:nvSpPr>
+          <p:cNvPr id="7" name="TextBox 6"/>
+          <p:cNvSpPr txBox="1"/>
+          <p:nvPr/>
+        </p:nvSpPr>
+        <p:spPr>
+          <a:xfrm>
+            <a:off x="4377898" y="5556569"/>
+            <a:ext cx="3375989" cy="338554"/>
+          </a:xfrm>
+          <a:prstGeom prst="rect">
+            <a:avLst/>
+          </a:prstGeom>
+          <a:noFill/>
+        </p:spPr>
+        <p:txBody>
+          <a:bodyPr wrap="none" rtlCol="0">
+            <a:spAutoFit/>
+          </a:bodyPr>
+          <a:lstStyle/>
+          <a:p>
+            <a:r>
+              <a:rPr lang="en-US" sz="1600" dirty="0"/>
+              <a:t>Visual Thesaurus’ output for “daffodil”</a:t>
+            </a:r>
           </a:p>
         </p:txBody>
       </p:sp>
     </p:spTree>
     <p:extLst>
       <p:ext uri="{BB962C8B-B14F-4D97-AF65-F5344CB8AC3E}">
-        <p14:creationId xmlns:p14="http://schemas.microsoft.com/office/powerpoint/2010/main" val="330920239"/>
+        <p14:creationId xmlns:p14="http://schemas.microsoft.com/office/powerpoint/2010/main" val="108838826"/>
       </p:ext>
     </p:extLst>
   </p:cSld>
   <p:clrMapOvr>
     <a:masterClrMapping/>
   </p:clrMapOvr>
+  <p:timing>
+    <p:tnLst>
+      <p:par>
+        <p:cTn id="1" dur="indefinite" restart="never" nodeType="tmRoot"/>
+      </p:par>
+    </p:tnLst>
+  </p:timing>
+</p:sld>
+</file>
+
+<file path=ppt/slides/slide3.xml><?xml version="1.0" encoding="utf-8"?>
+<p:sld xmlns:a="http://schemas.openxmlformats.org/drawingml/2006/main" xmlns:r="http://schemas.openxmlformats.org/officeDocument/2006/relationships" xmlns:p="http://schemas.openxmlformats.org/presentationml/2006/main">
+  <p:cSld>
+    <p:spTree>
+      <p:nvGrpSpPr>
+        <p:cNvPr id="1" name=""/>
+        <p:cNvGrpSpPr/>
+        <p:nvPr/>
+      </p:nvGrpSpPr>
+      <p:grpSpPr>
+        <a:xfrm>
+          <a:off x="0" y="0"/>
+          <a:ext cx="0" cy="0"/>
+          <a:chOff x="0" y="0"/>
+          <a:chExt cx="0" cy="0"/>
+        </a:xfrm>
+      </p:grpSpPr>
+      <p:sp>
+        <p:nvSpPr>
+          <p:cNvPr id="2" name="Title 1"/>
+          <p:cNvSpPr>
+            <a:spLocks noGrp="1"/>
+          </p:cNvSpPr>
+          <p:nvPr>
+            <p:ph type="title"/>
+          </p:nvPr>
+        </p:nvSpPr>
+        <p:spPr/>
+        <p:txBody>
+          <a:bodyPr/>
+          <a:lstStyle/>
+          <a:p>
+            <a:r>
+              <a:rPr lang="en-US" dirty="0" smtClean="0"/>
+              <a:t>Lacking Features</a:t>
+            </a:r>
+            <a:endParaRPr lang="en-US" dirty="0"/>
+          </a:p>
+        </p:txBody>
+      </p:sp>
+      <p:sp>
+        <p:nvSpPr>
+          <p:cNvPr id="3" name="Content Placeholder 2"/>
+          <p:cNvSpPr>
+            <a:spLocks noGrp="1"/>
+          </p:cNvSpPr>
+          <p:nvPr>
+            <p:ph idx="1"/>
+          </p:nvPr>
+        </p:nvSpPr>
+        <p:spPr/>
+        <p:txBody>
+          <a:bodyPr>
+            <a:normAutofit/>
+          </a:bodyPr>
+          <a:lstStyle/>
+          <a:p>
+            <a:pPr>
+              <a:buClrTx/>
+              <a:buFont typeface="Wingdings" panose="05000000000000000000" pitchFamily="2" charset="2"/>
+              <a:buChar char="§"/>
+            </a:pPr>
+            <a:r>
+              <a:rPr lang="en-US" sz="2400" dirty="0"/>
+              <a:t> </a:t>
+            </a:r>
+            <a:r>
+              <a:rPr lang="en-US" sz="2400" dirty="0" smtClean="0"/>
+              <a:t>All </a:t>
+            </a:r>
+            <a:r>
+              <a:rPr lang="en-US" sz="2400" dirty="0" err="1" smtClean="0"/>
+              <a:t>synsets</a:t>
+            </a:r>
+            <a:r>
+              <a:rPr lang="en-US" sz="2400" dirty="0" smtClean="0"/>
+              <a:t> are given equal weight – “dog” matches “domestic dog,” “frump,” “cad,” etc.</a:t>
+            </a:r>
+          </a:p>
+          <a:p>
+            <a:pPr>
+              <a:buClrTx/>
+              <a:buFont typeface="Wingdings" panose="05000000000000000000" pitchFamily="2" charset="2"/>
+              <a:buChar char="§"/>
+            </a:pPr>
+            <a:r>
+              <a:rPr lang="en-US" sz="2400" dirty="0"/>
+              <a:t> </a:t>
+            </a:r>
+            <a:r>
+              <a:rPr lang="en-US" sz="2400" dirty="0" smtClean="0"/>
+              <a:t>No easy way to compare words’ similarity – have to look them up separately and traverse their tree of </a:t>
+            </a:r>
+            <a:r>
+              <a:rPr lang="en-US" sz="2400" dirty="0" err="1" smtClean="0"/>
+              <a:t>synset</a:t>
+            </a:r>
+            <a:r>
+              <a:rPr lang="en-US" sz="2400" dirty="0" smtClean="0"/>
+              <a:t> relations</a:t>
+            </a:r>
+          </a:p>
+          <a:p>
+            <a:pPr>
+              <a:buClrTx/>
+              <a:buFont typeface="Wingdings" panose="05000000000000000000" pitchFamily="2" charset="2"/>
+              <a:buChar char="§"/>
+            </a:pPr>
+            <a:r>
+              <a:rPr lang="en-US" sz="2400" dirty="0"/>
+              <a:t> </a:t>
+            </a:r>
+            <a:r>
+              <a:rPr lang="en-US" sz="2400" dirty="0" smtClean="0"/>
+              <a:t>Similarity based on </a:t>
+            </a:r>
+            <a:r>
+              <a:rPr lang="en-US" sz="2400" dirty="0" err="1" smtClean="0"/>
+              <a:t>synset</a:t>
+            </a:r>
+            <a:r>
+              <a:rPr lang="en-US" sz="2400" dirty="0" smtClean="0"/>
+              <a:t> relations is not the same as relatedness</a:t>
+            </a:r>
+            <a:endParaRPr lang="en-US" sz="2400" dirty="0"/>
+          </a:p>
+        </p:txBody>
+      </p:sp>
+    </p:spTree>
+    <p:extLst>
+      <p:ext uri="{BB962C8B-B14F-4D97-AF65-F5344CB8AC3E}">
+        <p14:creationId xmlns:p14="http://schemas.microsoft.com/office/powerpoint/2010/main" val="1181071222"/>
+      </p:ext>
+    </p:extLst>
+  </p:cSld>
+  <p:clrMapOvr>
+    <a:masterClrMapping/>
+  </p:clrMapOvr>
+  <p:timing>
+    <p:tnLst>
+      <p:par>
+        <p:cTn id="1" dur="indefinite" restart="never" nodeType="tmRoot"/>
+      </p:par>
+    </p:tnLst>
+  </p:timing>
+</p:sld>
+</file>
+
+<file path=ppt/slides/slide4.xml><?xml version="1.0" encoding="utf-8"?>
+<p:sld xmlns:a="http://schemas.openxmlformats.org/drawingml/2006/main" xmlns:r="http://schemas.openxmlformats.org/officeDocument/2006/relationships" xmlns:p="http://schemas.openxmlformats.org/presentationml/2006/main">
+  <p:cSld>
+    <p:spTree>
+      <p:nvGrpSpPr>
+        <p:cNvPr id="1" name=""/>
+        <p:cNvGrpSpPr/>
+        <p:nvPr/>
+      </p:nvGrpSpPr>
+      <p:grpSpPr>
+        <a:xfrm>
+          <a:off x="0" y="0"/>
+          <a:ext cx="0" cy="0"/>
+          <a:chOff x="0" y="0"/>
+          <a:chExt cx="0" cy="0"/>
+        </a:xfrm>
+      </p:grpSpPr>
+      <p:sp>
+        <p:nvSpPr>
+          <p:cNvPr id="2" name="Title 1"/>
+          <p:cNvSpPr>
+            <a:spLocks noGrp="1"/>
+          </p:cNvSpPr>
+          <p:nvPr>
+            <p:ph type="title"/>
+          </p:nvPr>
+        </p:nvSpPr>
+        <p:spPr/>
+        <p:txBody>
+          <a:bodyPr/>
+          <a:lstStyle/>
+          <a:p>
+            <a:r>
+              <a:rPr lang="en-US" dirty="0" smtClean="0"/>
+              <a:t>Explicit Semantic Analysis</a:t>
+            </a:r>
+            <a:endParaRPr lang="en-US" dirty="0"/>
+          </a:p>
+        </p:txBody>
+      </p:sp>
+      <p:sp>
+        <p:nvSpPr>
+          <p:cNvPr id="3" name="Content Placeholder 2"/>
+          <p:cNvSpPr>
+            <a:spLocks noGrp="1"/>
+          </p:cNvSpPr>
+          <p:nvPr>
+            <p:ph idx="1"/>
+          </p:nvPr>
+        </p:nvSpPr>
+        <p:spPr/>
+        <p:txBody>
+          <a:bodyPr>
+            <a:normAutofit/>
+          </a:bodyPr>
+          <a:lstStyle/>
+          <a:p>
+            <a:pPr>
+              <a:buClrTx/>
+              <a:buFont typeface="Wingdings" panose="05000000000000000000" pitchFamily="2" charset="2"/>
+              <a:buChar char="§"/>
+            </a:pPr>
+            <a:r>
+              <a:rPr lang="en-US" sz="2400" dirty="0"/>
+              <a:t> Computing Semantic Relatedness using Wikipedia-based Explicit Semantic Analysis (</a:t>
+            </a:r>
+            <a:r>
+              <a:rPr lang="en-US" sz="2400" dirty="0" err="1"/>
+              <a:t>Evgeniy</a:t>
+            </a:r>
+            <a:r>
+              <a:rPr lang="en-US" sz="2400" dirty="0"/>
+              <a:t> </a:t>
+            </a:r>
+            <a:r>
+              <a:rPr lang="en-US" sz="2400" dirty="0" err="1"/>
+              <a:t>Gabrilovich</a:t>
+            </a:r>
+            <a:r>
+              <a:rPr lang="en-US" sz="2400" dirty="0"/>
+              <a:t> and </a:t>
+            </a:r>
+            <a:r>
+              <a:rPr lang="en-US" sz="2400" dirty="0" err="1"/>
+              <a:t>Shaul</a:t>
+            </a:r>
+            <a:r>
+              <a:rPr lang="en-US" sz="2400" dirty="0"/>
+              <a:t> </a:t>
+            </a:r>
+            <a:r>
+              <a:rPr lang="en-US" sz="2400" dirty="0" err="1"/>
+              <a:t>Markovitch</a:t>
+            </a:r>
+            <a:r>
+              <a:rPr lang="en-US" sz="2400" dirty="0"/>
+              <a:t>, 2007) </a:t>
+            </a:r>
+          </a:p>
+          <a:p>
+            <a:pPr>
+              <a:buClrTx/>
+              <a:buFont typeface="Wingdings" panose="05000000000000000000" pitchFamily="2" charset="2"/>
+              <a:buChar char="§"/>
+            </a:pPr>
+            <a:r>
+              <a:rPr lang="en-US" sz="2400" dirty="0" smtClean="0"/>
+              <a:t> Compares semantic relatedness of words based on their presence in </a:t>
+            </a:r>
+            <a:r>
+              <a:rPr lang="en-US" sz="2400" i="1" dirty="0" smtClean="0"/>
+              <a:t>concepts</a:t>
+            </a:r>
+            <a:r>
+              <a:rPr lang="en-US" sz="2400" dirty="0" smtClean="0"/>
+              <a:t> derived from Wikipedia articles</a:t>
+            </a:r>
+            <a:endParaRPr lang="en-US" sz="2400" dirty="0"/>
+          </a:p>
+        </p:txBody>
+      </p:sp>
+    </p:spTree>
+    <p:extLst>
+      <p:ext uri="{BB962C8B-B14F-4D97-AF65-F5344CB8AC3E}">
+        <p14:creationId xmlns:p14="http://schemas.microsoft.com/office/powerpoint/2010/main" val="362754733"/>
+      </p:ext>
+    </p:extLst>
+  </p:cSld>
+  <p:clrMapOvr>
+    <a:masterClrMapping/>
+  </p:clrMapOvr>
+  <p:timing>
+    <p:tnLst>
+      <p:par>
+        <p:cTn id="1" dur="indefinite" restart="never" nodeType="tmRoot"/>
+      </p:par>
+    </p:tnLst>
+  </p:timing>
+</p:sld>
+</file>
+
+<file path=ppt/slides/slide5.xml><?xml version="1.0" encoding="utf-8"?>
+<p:sld xmlns:a="http://schemas.openxmlformats.org/drawingml/2006/main" xmlns:r="http://schemas.openxmlformats.org/officeDocument/2006/relationships" xmlns:p="http://schemas.openxmlformats.org/presentationml/2006/main">
+  <p:cSld>
+    <p:spTree>
+      <p:nvGrpSpPr>
+        <p:cNvPr id="1" name=""/>
+        <p:cNvGrpSpPr/>
+        <p:nvPr/>
+      </p:nvGrpSpPr>
+      <p:grpSpPr>
+        <a:xfrm>
+          <a:off x="0" y="0"/>
+          <a:ext cx="0" cy="0"/>
+          <a:chOff x="0" y="0"/>
+          <a:chExt cx="0" cy="0"/>
+        </a:xfrm>
+      </p:grpSpPr>
+      <p:sp>
+        <p:nvSpPr>
+          <p:cNvPr id="2" name="Title 1"/>
+          <p:cNvSpPr>
+            <a:spLocks noGrp="1"/>
+          </p:cNvSpPr>
+          <p:nvPr>
+            <p:ph type="title"/>
+          </p:nvPr>
+        </p:nvSpPr>
+        <p:spPr/>
+        <p:txBody>
+          <a:bodyPr/>
+          <a:lstStyle/>
+          <a:p>
+            <a:r>
+              <a:rPr lang="en-US" dirty="0" smtClean="0"/>
+              <a:t>Goal</a:t>
+            </a:r>
+            <a:endParaRPr lang="en-US" dirty="0"/>
+          </a:p>
+        </p:txBody>
+      </p:sp>
+      <p:sp>
+        <p:nvSpPr>
+          <p:cNvPr id="3" name="Content Placeholder 2"/>
+          <p:cNvSpPr>
+            <a:spLocks noGrp="1"/>
+          </p:cNvSpPr>
+          <p:nvPr>
+            <p:ph idx="1"/>
+          </p:nvPr>
+        </p:nvSpPr>
+        <p:spPr/>
+        <p:txBody>
+          <a:bodyPr>
+            <a:normAutofit/>
+          </a:bodyPr>
+          <a:lstStyle/>
+          <a:p>
+            <a:pPr>
+              <a:buClrTx/>
+              <a:buFont typeface="Wingdings" panose="05000000000000000000" pitchFamily="2" charset="2"/>
+              <a:buChar char="§"/>
+            </a:pPr>
+            <a:r>
+              <a:rPr lang="en-US" sz="2400" dirty="0" smtClean="0"/>
+              <a:t> Users will be able to enter a word into our Visual Dictionary and see the concepts that best relate to it</a:t>
+            </a:r>
+          </a:p>
+          <a:p>
+            <a:pPr>
+              <a:buClrTx/>
+              <a:buFont typeface="Wingdings" panose="05000000000000000000" pitchFamily="2" charset="2"/>
+              <a:buChar char="§"/>
+            </a:pPr>
+            <a:r>
+              <a:rPr lang="en-US" sz="2400" dirty="0"/>
+              <a:t> </a:t>
+            </a:r>
+            <a:r>
+              <a:rPr lang="en-US" sz="2400" dirty="0" smtClean="0"/>
+              <a:t>Entering two words will show their relatedness, measured by their relevance in shared concepts</a:t>
+            </a:r>
+            <a:endParaRPr lang="en-US" sz="2400" dirty="0"/>
+          </a:p>
+        </p:txBody>
+      </p:sp>
+    </p:spTree>
+    <p:extLst>
+      <p:ext uri="{BB962C8B-B14F-4D97-AF65-F5344CB8AC3E}">
+        <p14:creationId xmlns:p14="http://schemas.microsoft.com/office/powerpoint/2010/main" val="3754504420"/>
+      </p:ext>
+    </p:extLst>
+  </p:cSld>
+  <p:clrMapOvr>
+    <a:masterClrMapping/>
+  </p:clrMapOvr>
+  <p:timing>
+    <p:tnLst>
+      <p:par>
+        <p:cTn id="1" dur="indefinite" restart="never" nodeType="tmRoot"/>
+      </p:par>
+    </p:tnLst>
+  </p:timing>
+</p:sld>
+</file>
+
+<file path=ppt/slides/slide6.xml><?xml version="1.0" encoding="utf-8"?>
+<p:sld xmlns:a="http://schemas.openxmlformats.org/drawingml/2006/main" xmlns:r="http://schemas.openxmlformats.org/officeDocument/2006/relationships" xmlns:p="http://schemas.openxmlformats.org/presentationml/2006/main">
+  <p:cSld>
+    <p:spTree>
+      <p:nvGrpSpPr>
+        <p:cNvPr id="1" name=""/>
+        <p:cNvGrpSpPr/>
+        <p:nvPr/>
+      </p:nvGrpSpPr>
+      <p:grpSpPr>
+        <a:xfrm>
+          <a:off x="0" y="0"/>
+          <a:ext cx="0" cy="0"/>
+          <a:chOff x="0" y="0"/>
+          <a:chExt cx="0" cy="0"/>
+        </a:xfrm>
+      </p:grpSpPr>
+      <p:sp>
+        <p:nvSpPr>
+          <p:cNvPr id="2" name="Title 1"/>
+          <p:cNvSpPr>
+            <a:spLocks noGrp="1"/>
+          </p:cNvSpPr>
+          <p:nvPr>
+            <p:ph type="title"/>
+          </p:nvPr>
+        </p:nvSpPr>
+        <p:spPr/>
+        <p:txBody>
+          <a:bodyPr/>
+          <a:lstStyle/>
+          <a:p>
+            <a:r>
+              <a:rPr lang="en-US" dirty="0" smtClean="0"/>
+              <a:t>Procedure</a:t>
+            </a:r>
+            <a:endParaRPr lang="en-US" dirty="0"/>
+          </a:p>
+        </p:txBody>
+      </p:sp>
+      <p:sp>
+        <p:nvSpPr>
+          <p:cNvPr id="3" name="Content Placeholder 2"/>
+          <p:cNvSpPr>
+            <a:spLocks noGrp="1"/>
+          </p:cNvSpPr>
+          <p:nvPr>
+            <p:ph idx="1"/>
+          </p:nvPr>
+        </p:nvSpPr>
+        <p:spPr/>
+        <p:txBody>
+          <a:bodyPr>
+            <a:normAutofit/>
+          </a:bodyPr>
+          <a:lstStyle/>
+          <a:p>
+            <a:pPr marL="457200" indent="-457200">
+              <a:buClrTx/>
+              <a:buFont typeface="+mj-lt"/>
+              <a:buAutoNum type="arabicPeriod"/>
+            </a:pPr>
+            <a:r>
+              <a:rPr lang="en-US" sz="2400" dirty="0" smtClean="0"/>
+              <a:t> Extract article text from a Wikipedia database dump – remove graphics, Wiki and HTML markup, </a:t>
+            </a:r>
+            <a:r>
+              <a:rPr lang="en-US" sz="2400" dirty="0" err="1" smtClean="0"/>
+              <a:t>etc</a:t>
+            </a:r>
+            <a:endParaRPr lang="en-US" sz="2400" dirty="0" smtClean="0"/>
+          </a:p>
+          <a:p>
+            <a:pPr marL="457200" indent="-457200">
+              <a:buClrTx/>
+              <a:buFont typeface="+mj-lt"/>
+              <a:buAutoNum type="arabicPeriod"/>
+            </a:pPr>
+            <a:r>
+              <a:rPr lang="en-US" sz="2400" dirty="0" smtClean="0"/>
+              <a:t>Treat each article as a concept</a:t>
+            </a:r>
+          </a:p>
+          <a:p>
+            <a:pPr marL="457200" indent="-457200">
+              <a:buClrTx/>
+              <a:buFont typeface="+mj-lt"/>
+              <a:buAutoNum type="arabicPeriod"/>
+            </a:pPr>
+            <a:r>
+              <a:rPr lang="en-US" sz="2400" dirty="0" smtClean="0"/>
+              <a:t>Calculate, for each word in each concept, its </a:t>
+            </a:r>
+            <a:r>
+              <a:rPr lang="en-US" sz="2400" dirty="0" err="1" smtClean="0"/>
+              <a:t>tf-idf</a:t>
+            </a:r>
+            <a:r>
+              <a:rPr lang="en-US" sz="2400" dirty="0" smtClean="0"/>
+              <a:t> score in that concept</a:t>
+            </a:r>
+          </a:p>
+          <a:p>
+            <a:pPr marL="749808" lvl="1" indent="-457200">
+              <a:buClrTx/>
+              <a:buFont typeface="Wingdings" panose="05000000000000000000" pitchFamily="2" charset="2"/>
+              <a:buChar char="§"/>
+            </a:pPr>
+            <a:r>
+              <a:rPr lang="en-US" sz="2200" dirty="0" smtClean="0"/>
+              <a:t>Term frequency—inverse document frequency: ratio of a term’s frequency in a document (article) to the term’s rarity in </a:t>
+            </a:r>
+            <a:r>
+              <a:rPr lang="en-US" sz="2200" smtClean="0"/>
+              <a:t>all documents</a:t>
+            </a:r>
+            <a:endParaRPr lang="en-US" sz="2200" dirty="0" smtClean="0"/>
+          </a:p>
+          <a:p>
+            <a:pPr marL="457200" indent="-457200">
+              <a:buClrTx/>
+              <a:buFont typeface="+mj-lt"/>
+              <a:buAutoNum type="arabicPeriod"/>
+            </a:pPr>
+            <a:r>
+              <a:rPr lang="en-US" sz="2400" dirty="0" smtClean="0"/>
+              <a:t>Build an inverted index mapping words to vectors of </a:t>
+            </a:r>
+            <a:r>
+              <a:rPr lang="en-US" sz="2400" dirty="0" err="1" smtClean="0"/>
+              <a:t>tf-idf</a:t>
+            </a:r>
+            <a:r>
+              <a:rPr lang="en-US" sz="2400" dirty="0" smtClean="0"/>
+              <a:t> scores for concepts</a:t>
+            </a:r>
+          </a:p>
+        </p:txBody>
+      </p:sp>
+    </p:spTree>
+    <p:extLst>
+      <p:ext uri="{BB962C8B-B14F-4D97-AF65-F5344CB8AC3E}">
+        <p14:creationId xmlns:p14="http://schemas.microsoft.com/office/powerpoint/2010/main" val="1883427991"/>
+      </p:ext>
+    </p:extLst>
+  </p:cSld>
+  <p:clrMapOvr>
+    <a:masterClrMapping/>
+  </p:clrMapOvr>
+  <p:timing>
+    <p:tnLst>
+      <p:par>
+        <p:cTn id="1" dur="indefinite" restart="never" nodeType="tmRoot"/>
+      </p:par>
+    </p:tnLst>
+  </p:timing>
+</p:sld>
+</file>
+
+<file path=ppt/slides/slide7.xml><?xml version="1.0" encoding="utf-8"?>
+<p:sld xmlns:a="http://schemas.openxmlformats.org/drawingml/2006/main" xmlns:r="http://schemas.openxmlformats.org/officeDocument/2006/relationships" xmlns:p="http://schemas.openxmlformats.org/presentationml/2006/main">
+  <p:cSld>
+    <p:spTree>
+      <p:nvGrpSpPr>
+        <p:cNvPr id="1" name=""/>
+        <p:cNvGrpSpPr/>
+        <p:nvPr/>
+      </p:nvGrpSpPr>
+      <p:grpSpPr>
+        <a:xfrm>
+          <a:off x="0" y="0"/>
+          <a:ext cx="0" cy="0"/>
+          <a:chOff x="0" y="0"/>
+          <a:chExt cx="0" cy="0"/>
+        </a:xfrm>
+      </p:grpSpPr>
+      <p:sp>
+        <p:nvSpPr>
+          <p:cNvPr id="2" name="Title 1"/>
+          <p:cNvSpPr>
+            <a:spLocks noGrp="1"/>
+          </p:cNvSpPr>
+          <p:nvPr>
+            <p:ph type="title"/>
+          </p:nvPr>
+        </p:nvSpPr>
+        <p:spPr/>
+        <p:txBody>
+          <a:bodyPr/>
+          <a:lstStyle/>
+          <a:p>
+            <a:r>
+              <a:rPr lang="en-US" dirty="0" smtClean="0"/>
+              <a:t>Interaction</a:t>
+            </a:r>
+            <a:endParaRPr lang="en-US" dirty="0"/>
+          </a:p>
+        </p:txBody>
+      </p:sp>
+      <p:sp>
+        <p:nvSpPr>
+          <p:cNvPr id="3" name="Content Placeholder 2"/>
+          <p:cNvSpPr>
+            <a:spLocks noGrp="1"/>
+          </p:cNvSpPr>
+          <p:nvPr>
+            <p:ph idx="1"/>
+          </p:nvPr>
+        </p:nvSpPr>
+        <p:spPr/>
+        <p:txBody>
+          <a:bodyPr>
+            <a:normAutofit/>
+          </a:bodyPr>
+          <a:lstStyle/>
+          <a:p>
+            <a:pPr marL="457200" indent="-457200">
+              <a:buClrTx/>
+              <a:buFont typeface="+mj-lt"/>
+              <a:buAutoNum type="arabicPeriod"/>
+            </a:pPr>
+            <a:r>
+              <a:rPr lang="en-US" sz="2400" dirty="0" smtClean="0"/>
+              <a:t>When the user enters a word, look it up in the inverted index</a:t>
+            </a:r>
+          </a:p>
+          <a:p>
+            <a:pPr marL="457200" indent="-457200">
+              <a:buClrTx/>
+              <a:buFont typeface="+mj-lt"/>
+              <a:buAutoNum type="arabicPeriod"/>
+            </a:pPr>
+            <a:r>
+              <a:rPr lang="en-US" sz="2400" dirty="0" smtClean="0"/>
+              <a:t>List the concepts with highest </a:t>
+            </a:r>
+            <a:r>
+              <a:rPr lang="en-US" sz="2400" dirty="0" err="1" smtClean="0"/>
+              <a:t>tf-idf</a:t>
+            </a:r>
+            <a:r>
+              <a:rPr lang="en-US" sz="2400" dirty="0" smtClean="0"/>
+              <a:t> scores for the word</a:t>
+            </a:r>
+          </a:p>
+          <a:p>
+            <a:pPr marL="457200" indent="-457200">
+              <a:buClrTx/>
+              <a:buFont typeface="+mj-lt"/>
+              <a:buAutoNum type="arabicPeriod"/>
+            </a:pPr>
+            <a:r>
+              <a:rPr lang="en-US" sz="2400" dirty="0" smtClean="0"/>
+              <a:t>When two words are entered, compare their concept vectors using a similarity measure (e.g. cosine similarity) and display the result as their relatedness</a:t>
+            </a:r>
+            <a:endParaRPr lang="en-US" sz="2400" dirty="0"/>
+          </a:p>
+        </p:txBody>
+      </p:sp>
+    </p:spTree>
+    <p:extLst>
+      <p:ext uri="{BB962C8B-B14F-4D97-AF65-F5344CB8AC3E}">
+        <p14:creationId xmlns:p14="http://schemas.microsoft.com/office/powerpoint/2010/main" val="2662621468"/>
+      </p:ext>
+    </p:extLst>
+  </p:cSld>
+  <p:clrMapOvr>
+    <a:masterClrMapping/>
+  </p:clrMapOvr>
+  <p:timing>
+    <p:tnLst>
+      <p:par>
+        <p:cTn id="1" dur="indefinite" restart="never" nodeType="tmRoot"/>
+      </p:par>
+    </p:tnLst>
+  </p:timing>
 </p:sld>
 </file>
 
 <file path=ppt/theme/theme1.xml><?xml version="1.0" encoding="utf-8"?>
+<a:theme xmlns:a="http://schemas.openxmlformats.org/drawingml/2006/main" name="Retrospect">
+  <a:themeElements>
+    <a:clrScheme name="Retrospect">
+      <a:dk1>
+        <a:sysClr val="windowText" lastClr="000000"/>
+      </a:dk1>
+      <a:lt1>
+        <a:sysClr val="window" lastClr="FFFFFF"/>
+      </a:lt1>
+      <a:dk2>
+        <a:srgbClr val="514949"/>
+      </a:dk2>
+      <a:lt2>
+        <a:srgbClr val="E1E1DB"/>
+      </a:lt2>
+      <a:accent1>
+        <a:srgbClr val="9DBFBE"/>
+      </a:accent1>
+      <a:accent2>
+        <a:srgbClr val="DB8631"/>
+      </a:accent2>
+      <a:accent3>
+        <a:srgbClr val="E3CC5A"/>
+      </a:accent3>
+      <a:accent4>
+        <a:srgbClr val="ACADA8"/>
+      </a:accent4>
+      <a:accent5>
+        <a:srgbClr val="927C61"/>
+      </a:accent5>
+      <a:accent6>
+        <a:srgbClr val="B3B435"/>
+      </a:accent6>
+      <a:hlink>
+        <a:srgbClr val="0000FF"/>
+      </a:hlink>
+      <a:folHlink>
+        <a:srgbClr val="800080"/>
+      </a:folHlink>
+    </a:clrScheme>
+    <a:fontScheme name="Retrospect">
+      <a:majorFont>
+        <a:latin typeface="Calibri Light" panose="020F0302020204030204"/>
+        <a:ea typeface=""/>
+        <a:cs typeface=""/>
+        <a:font script="Jpan" typeface="ＭＳ Ｐゴシック"/>
+        <a:font script="Hang" typeface="맑은 고딕"/>
+        <a:font script="Hans" typeface="宋体"/>
+        <a:font script="Hant" typeface="新細明體"/>
+        <a:font script="Arab" typeface="Times New Roman"/>
+        <a:font script="Hebr" typeface="Times New Roman"/>
+        <a:font script="Thai" typeface="Angsana New"/>
+        <a:font script="Ethi" typeface="Nyala"/>
+        <a:font script="Beng" typeface="Vrinda"/>
+        <a:font script="Gujr" typeface="Shruti"/>
+        <a:font script="Khmr" typeface="MoolBoran"/>
+        <a:font script="Knda" typeface="Tunga"/>
+        <a:font script="Guru" typeface="Raavi"/>
+        <a:font script="Cans" typeface="Euphemia"/>
+        <a:font script="Cher" typeface="Plantagenet Cherokee"/>
+        <a:font script="Yiii" typeface="Microsoft Yi Baiti"/>
+        <a:font script="Tibt" typeface="Microsoft Himalaya"/>
+        <a:font script="Thaa" typeface="MV Boli"/>
+        <a:font script="Deva" typeface="Mangal"/>
+        <a:font script="Telu" typeface="Gautami"/>
+        <a:font script="Taml" typeface="Latha"/>
+        <a:font script="Syrc" typeface="Estrangelo Edessa"/>
+        <a:font script="Orya" typeface="Kalinga"/>
+        <a:font script="Mlym" typeface="Kartika"/>
+        <a:font script="Laoo" typeface="DokChampa"/>
+        <a:font script="Sinh" typeface="Iskoola Pota"/>
+        <a:font script="Mong" typeface="Mongolian Baiti"/>
+        <a:font script="Viet" typeface="Times New Roman"/>
+        <a:font script="Uigh" typeface="Microsoft Uighur"/>
+        <a:font script="Geor" typeface="Sylfaen"/>
+      </a:majorFont>
+      <a:minorFont>
+        <a:latin typeface="Calibri" panose="020F0502020204030204"/>
+        <a:ea typeface=""/>
+        <a:cs typeface=""/>
+        <a:font script="Jpan" typeface="ＭＳ Ｐゴシック"/>
+        <a:font script="Hang" typeface="맑은 고딕"/>
+        <a:font script="Hans" typeface="宋体"/>
+        <a:font script="Hant" typeface="新細明體"/>
+        <a:font script="Arab" typeface="Arial"/>
+        <a:font script="Hebr" typeface="Arial"/>
+        <a:font script="Thai" typeface="Cordia New"/>
+        <a:font script="Ethi" typeface="Nyala"/>
+        <a:font script="Beng" typeface="Vrinda"/>
+        <a:font script="Gujr" typeface="Shruti"/>
+        <a:font script="Khmr" typeface="DaunPenh"/>
+        <a:font script="Knda" typeface="Tunga"/>
+        <a:font script="Guru" typeface="Raavi"/>
+        <a:font script="Cans" typeface="Euphemia"/>
+        <a:font script="Cher" typeface="Plantagenet Cherokee"/>
+        <a:font script="Yiii" typeface="Microsoft Yi Baiti"/>
+        <a:font script="Tibt" typeface="Microsoft Himalaya"/>
+        <a:font script="Thaa" typeface="MV Boli"/>
+        <a:font script="Deva" typeface="Mangal"/>
+        <a:font script="Telu" typeface="Gautami"/>
+        <a:font script="Taml" typeface="Latha"/>
+        <a:font script="Syrc" typeface="Estrangelo Edessa"/>
+        <a:font script="Orya" typeface="Kalinga"/>
+        <a:font script="Mlym" typeface="Kartika"/>
+        <a:font script="Laoo" typeface="DokChampa"/>
+        <a:font script="Sinh" typeface="Iskoola Pota"/>
+        <a:font script="Mong" typeface="Mongolian Baiti"/>
+        <a:font script="Viet" typeface="Arial"/>
+        <a:font script="Uigh" typeface="Microsoft Uighur"/>
+        <a:font script="Geor" typeface="Sylfaen"/>
+      </a:minorFont>
+    </a:fontScheme>
+    <a:fmtScheme name="Retrospect">
+      <a:fillStyleLst>
+        <a:solidFill>
+          <a:schemeClr val="phClr"/>
+        </a:solidFill>
+        <a:gradFill rotWithShape="1">
+          <a:gsLst>
+            <a:gs pos="0">
+              <a:schemeClr val="phClr">
+                <a:tint val="65000"/>
+                <a:shade val="92000"/>
+                <a:satMod val="130000"/>
+              </a:schemeClr>
+            </a:gs>
+            <a:gs pos="45000">
+              <a:schemeClr val="phClr">
+                <a:tint val="60000"/>
+                <a:shade val="99000"/>
+                <a:satMod val="120000"/>
+              </a:schemeClr>
+            </a:gs>
+            <a:gs pos="100000">
+              <a:schemeClr val="phClr">
+                <a:tint val="55000"/>
+                <a:satMod val="140000"/>
+              </a:schemeClr>
+            </a:gs>
+          </a:gsLst>
+          <a:path path="circle">
+            <a:fillToRect l="100000" t="100000" r="100000" b="100000"/>
+          </a:path>
+        </a:gradFill>
+        <a:gradFill rotWithShape="1">
+          <a:gsLst>
+            <a:gs pos="0">
+              <a:schemeClr val="phClr">
+                <a:shade val="85000"/>
+                <a:satMod val="130000"/>
+              </a:schemeClr>
+            </a:gs>
+            <a:gs pos="34000">
+              <a:schemeClr val="phClr">
+                <a:shade val="87000"/>
+                <a:satMod val="125000"/>
+              </a:schemeClr>
+            </a:gs>
+            <a:gs pos="70000">
+              <a:schemeClr val="phClr">
+                <a:tint val="100000"/>
+                <a:shade val="90000"/>
+                <a:satMod val="130000"/>
+              </a:schemeClr>
+            </a:gs>
+            <a:gs pos="100000">
+              <a:schemeClr val="phClr">
+                <a:tint val="100000"/>
+                <a:shade val="100000"/>
+                <a:satMod val="110000"/>
+              </a:schemeClr>
+            </a:gs>
+          </a:gsLst>
+          <a:path path="circle">
+            <a:fillToRect l="100000" t="100000" r="100000" b="100000"/>
+          </a:path>
+        </a:gradFill>
+      </a:fillStyleLst>
+      <a:lnStyleLst>
+        <a:ln w="12700" cap="flat" cmpd="sng" algn="ctr">
+          <a:solidFill>
+            <a:schemeClr val="phClr"/>
+          </a:solidFill>
+          <a:prstDash val="solid"/>
+        </a:ln>
+        <a:ln w="15875" cap="flat" cmpd="sng" algn="ctr">
+          <a:solidFill>
+            <a:schemeClr val="phClr"/>
+          </a:solidFill>
+          <a:prstDash val="solid"/>
+        </a:ln>
+        <a:ln w="25400" cap="flat" cmpd="sng" algn="ctr">
+          <a:solidFill>
+            <a:schemeClr val="phClr"/>
+          </a:solidFill>
+          <a:prstDash val="solid"/>
+        </a:ln>
+      </a:lnStyleLst>
+      <a:effectStyleLst>
+        <a:effectStyle>
+          <a:effectLst/>
+        </a:effectStyle>
+        <a:effectStyle>
+          <a:effectLst>
+            <a:outerShdw blurRad="38100" dist="25400" dir="2700000" algn="br" rotWithShape="0">
+              <a:srgbClr val="000000">
+                <a:alpha val="60000"/>
+              </a:srgbClr>
+            </a:outerShdw>
+          </a:effectLst>
+        </a:effectStyle>
+        <a:effectStyle>
+          <a:effectLst>
+            <a:outerShdw blurRad="44450" dist="25400" dir="2700000" algn="br" rotWithShape="0">
+              <a:srgbClr val="000000">
+                <a:alpha val="60000"/>
+              </a:srgbClr>
+            </a:outerShdw>
+          </a:effectLst>
+          <a:scene3d>
+            <a:camera prst="orthographicFront">
+              <a:rot lat="0" lon="0" rev="0"/>
+            </a:camera>
+            <a:lightRig rig="threePt" dir="t">
+              <a:rot lat="0" lon="0" rev="19800000"/>
+            </a:lightRig>
+          </a:scene3d>
+          <a:sp3d prstMaterial="flat">
+            <a:bevelT w="25400" h="31750"/>
+          </a:sp3d>
+        </a:effectStyle>
+      </a:effectStyleLst>
+      <a:bgFillStyleLst>
+        <a:solidFill>
+          <a:schemeClr val="phClr"/>
+        </a:solidFill>
+        <a:solidFill>
+          <a:schemeClr val="phClr">
+            <a:tint val="90000"/>
+            <a:shade val="97000"/>
+            <a:satMod val="130000"/>
+          </a:schemeClr>
+        </a:solidFill>
+        <a:gradFill rotWithShape="1">
+          <a:gsLst>
+            <a:gs pos="0">
+              <a:schemeClr val="phClr">
+                <a:tint val="96000"/>
+                <a:shade val="99000"/>
+                <a:satMod val="140000"/>
+              </a:schemeClr>
+            </a:gs>
+            <a:gs pos="65000">
+              <a:schemeClr val="phClr">
+                <a:tint val="100000"/>
+                <a:shade val="80000"/>
+                <a:satMod val="130000"/>
+              </a:schemeClr>
+            </a:gs>
+            <a:gs pos="100000">
+              <a:schemeClr val="phClr">
+                <a:tint val="100000"/>
+                <a:shade val="48000"/>
+                <a:satMod val="120000"/>
+              </a:schemeClr>
+            </a:gs>
+          </a:gsLst>
+          <a:lin ang="16200000" scaled="0"/>
+        </a:gradFill>
+      </a:bgFillStyleLst>
+    </a:fmtScheme>
+  </a:themeElements>
+  <a:objectDefaults/>
+  <a:extraClrSchemeLst/>
+  <a:extLst>
+    <a:ext uri="{05A4C25C-085E-4340-85A3-A5531E510DB2}">
+      <thm15:themeFamily xmlns:thm15="http://schemas.microsoft.com/office/thememl/2012/main" name="Retrospect" id="{5F128B03-DCCA-4EEB-AB3B-CF2899314A46}" vid="{243AF7DC-D15B-41C0-AE81-23980D1B9FC4}"/>
+    </a:ext>
+  </a:extLst>
+</a:theme>
+</file>
+
+<file path=ppt/theme/theme2.xml><?xml version="1.0" encoding="utf-8"?>
 <a:theme xmlns:a="http://schemas.openxmlformats.org/drawingml/2006/main" name="Office Theme">
   <a:themeElements>
     <a:clrScheme name="Office">

--- a/presentation1.pptx
+++ b/presentation1.pptx
@@ -5,16 +5,17 @@
     <p:sldMasterId id="2147483748" r:id="rId1"/>
   </p:sldMasterIdLst>
   <p:notesMasterIdLst>
-    <p:notesMasterId r:id="rId9"/>
+    <p:notesMasterId r:id="rId10"/>
   </p:notesMasterIdLst>
   <p:sldIdLst>
     <p:sldId id="256" r:id="rId2"/>
     <p:sldId id="257" r:id="rId3"/>
     <p:sldId id="258" r:id="rId4"/>
     <p:sldId id="259" r:id="rId5"/>
-    <p:sldId id="260" r:id="rId6"/>
-    <p:sldId id="261" r:id="rId7"/>
-    <p:sldId id="262" r:id="rId8"/>
+    <p:sldId id="263" r:id="rId6"/>
+    <p:sldId id="260" r:id="rId7"/>
+    <p:sldId id="261" r:id="rId8"/>
+    <p:sldId id="262" r:id="rId9"/>
   </p:sldIdLst>
   <p:sldSz cx="9144000" cy="6858000" type="screen4x3"/>
   <p:notesSz cx="6858000" cy="9144000"/>
@@ -113,6 +114,11 @@
       </a:defRPr>
     </a:lvl9pPr>
   </p:defaultTextStyle>
+  <p:extLst>
+    <p:ext uri="{EFAFB233-063F-42B5-8137-9DF3F51BA10A}">
+      <p15:sldGuideLst xmlns:p15="http://schemas.microsoft.com/office/powerpoint/2012/main"/>
+    </p:ext>
+  </p:extLst>
 </p:presentation>
 </file>
 
@@ -4965,6 +4971,149 @@
           <a:p>
             <a:r>
               <a:rPr lang="en-US" dirty="0" smtClean="0"/>
+              <a:t>Motivation</a:t>
+            </a:r>
+            <a:endParaRPr lang="en-US" dirty="0"/>
+          </a:p>
+        </p:txBody>
+      </p:sp>
+      <p:sp>
+        <p:nvSpPr>
+          <p:cNvPr id="3" name="Content Placeholder 2"/>
+          <p:cNvSpPr>
+            <a:spLocks noGrp="1"/>
+          </p:cNvSpPr>
+          <p:nvPr>
+            <p:ph idx="1"/>
+          </p:nvPr>
+        </p:nvSpPr>
+        <p:spPr/>
+        <p:txBody>
+          <a:bodyPr/>
+          <a:lstStyle/>
+          <a:p>
+            <a:pPr>
+              <a:buClrTx/>
+              <a:buFont typeface="Wingdings" panose="05000000000000000000" pitchFamily="2" charset="2"/>
+              <a:buChar char="§"/>
+            </a:pPr>
+            <a:r>
+              <a:rPr lang="en-US" dirty="0" smtClean="0"/>
+              <a:t> Wikipedia’s category structure is likely to be more relevant to users’ queries than </a:t>
+            </a:r>
+            <a:r>
+              <a:rPr lang="en-US" dirty="0" err="1" smtClean="0"/>
+              <a:t>WordNet’s</a:t>
+            </a:r>
+            <a:r>
+              <a:rPr lang="en-US" dirty="0" smtClean="0"/>
+              <a:t> hierarchy</a:t>
+            </a:r>
+            <a:endParaRPr lang="en-US" dirty="0"/>
+          </a:p>
+        </p:txBody>
+      </p:sp>
+      <p:pic>
+        <p:nvPicPr>
+          <p:cNvPr id="4" name="Picture 3"/>
+          <p:cNvPicPr>
+            <a:picLocks noChangeAspect="1"/>
+          </p:cNvPicPr>
+          <p:nvPr/>
+        </p:nvPicPr>
+        <p:blipFill>
+          <a:blip r:embed="rId2"/>
+          <a:stretch>
+            <a:fillRect/>
+          </a:stretch>
+        </p:blipFill>
+        <p:spPr>
+          <a:xfrm>
+            <a:off x="1675446" y="2497244"/>
+            <a:ext cx="5838825" cy="3371850"/>
+          </a:xfrm>
+          <a:prstGeom prst="rect">
+            <a:avLst/>
+          </a:prstGeom>
+        </p:spPr>
+      </p:pic>
+      <p:sp>
+        <p:nvSpPr>
+          <p:cNvPr id="5" name="TextBox 4"/>
+          <p:cNvSpPr txBox="1"/>
+          <p:nvPr/>
+        </p:nvSpPr>
+        <p:spPr>
+          <a:xfrm>
+            <a:off x="2575908" y="5977467"/>
+            <a:ext cx="4037900" cy="338554"/>
+          </a:xfrm>
+          <a:prstGeom prst="rect">
+            <a:avLst/>
+          </a:prstGeom>
+          <a:noFill/>
+        </p:spPr>
+        <p:txBody>
+          <a:bodyPr wrap="none" rtlCol="0">
+            <a:spAutoFit/>
+          </a:bodyPr>
+          <a:lstStyle/>
+          <a:p>
+            <a:r>
+              <a:rPr lang="en-US" sz="1600" dirty="0" smtClean="0"/>
+              <a:t>Wikipedia’s disambiguation page for “daffodil”</a:t>
+            </a:r>
+            <a:endParaRPr lang="en-US" sz="1600" dirty="0"/>
+          </a:p>
+        </p:txBody>
+      </p:sp>
+    </p:spTree>
+    <p:extLst>
+      <p:ext uri="{BB962C8B-B14F-4D97-AF65-F5344CB8AC3E}">
+        <p14:creationId xmlns:p14="http://schemas.microsoft.com/office/powerpoint/2010/main" val="2108606723"/>
+      </p:ext>
+    </p:extLst>
+  </p:cSld>
+  <p:clrMapOvr>
+    <a:masterClrMapping/>
+  </p:clrMapOvr>
+</p:sld>
+</file>
+
+<file path=ppt/slides/slide6.xml><?xml version="1.0" encoding="utf-8"?>
+<p:sld xmlns:a="http://schemas.openxmlformats.org/drawingml/2006/main" xmlns:r="http://schemas.openxmlformats.org/officeDocument/2006/relationships" xmlns:p="http://schemas.openxmlformats.org/presentationml/2006/main">
+  <p:cSld>
+    <p:spTree>
+      <p:nvGrpSpPr>
+        <p:cNvPr id="1" name=""/>
+        <p:cNvGrpSpPr/>
+        <p:nvPr/>
+      </p:nvGrpSpPr>
+      <p:grpSpPr>
+        <a:xfrm>
+          <a:off x="0" y="0"/>
+          <a:ext cx="0" cy="0"/>
+          <a:chOff x="0" y="0"/>
+          <a:chExt cx="0" cy="0"/>
+        </a:xfrm>
+      </p:grpSpPr>
+      <p:sp>
+        <p:nvSpPr>
+          <p:cNvPr id="2" name="Title 1"/>
+          <p:cNvSpPr>
+            <a:spLocks noGrp="1"/>
+          </p:cNvSpPr>
+          <p:nvPr>
+            <p:ph type="title"/>
+          </p:nvPr>
+        </p:nvSpPr>
+        <p:spPr/>
+        <p:txBody>
+          <a:bodyPr/>
+          <a:lstStyle/>
+          <a:p>
+            <a:r>
+              <a:rPr lang="en-US" dirty="0" smtClean="0"/>
               <a:t>Goal</a:t>
             </a:r>
             <a:endParaRPr lang="en-US" dirty="0"/>
@@ -5036,7 +5185,7 @@
 </p:sld>
 </file>
 
-<file path=ppt/slides/slide6.xml><?xml version="1.0" encoding="utf-8"?>
+<file path=ppt/slides/slide7.xml><?xml version="1.0" encoding="utf-8"?>
 <p:sld xmlns:a="http://schemas.openxmlformats.org/drawingml/2006/main" xmlns:r="http://schemas.openxmlformats.org/officeDocument/2006/relationships" xmlns:p="http://schemas.openxmlformats.org/presentationml/2006/main">
   <p:cSld>
     <p:spTree>
@@ -5195,7 +5344,7 @@
 </p:sld>
 </file>
 
-<file path=ppt/slides/slide7.xml><?xml version="1.0" encoding="utf-8"?>
+<file path=ppt/slides/slide8.xml><?xml version="1.0" encoding="utf-8"?>
 <p:sld xmlns:a="http://schemas.openxmlformats.org/drawingml/2006/main" xmlns:r="http://schemas.openxmlformats.org/officeDocument/2006/relationships" xmlns:p="http://schemas.openxmlformats.org/presentationml/2006/main">
   <p:cSld>
     <p:spTree>
